--- a/18 команда. Презентация.pptx
+++ b/18 команда. Презентация.pptx
@@ -5,7 +5,7 @@
     <p:sldMasterId id="2147483648" r:id="rId1"/>
   </p:sldMasterIdLst>
   <p:notesMasterIdLst>
-    <p:notesMasterId r:id="rId11"/>
+    <p:notesMasterId r:id="rId13"/>
   </p:notesMasterIdLst>
   <p:sldIdLst>
     <p:sldId id="256" r:id="rId2"/>
@@ -17,24 +17,26 @@
     <p:sldId id="262" r:id="rId8"/>
     <p:sldId id="263" r:id="rId9"/>
     <p:sldId id="264" r:id="rId10"/>
+    <p:sldId id="265" r:id="rId11"/>
+    <p:sldId id="266" r:id="rId12"/>
   </p:sldIdLst>
   <p:sldSz cx="14630400" cy="8229600"/>
   <p:notesSz cx="8229600" cy="14630400"/>
   <p:embeddedFontLst>
-    <p:embeddedFont>
-      <p:font typeface="PT Serif" panose="020B0604020202020204" charset="0"/>
-      <p:regular r:id="rId12"/>
-    </p:embeddedFont>
-    <p:embeddedFont>
-      <p:font typeface="DM Sans" panose="020B0604020202020204" charset="0"/>
-      <p:regular r:id="rId13"/>
-    </p:embeddedFont>
     <p:embeddedFont>
       <p:font typeface="Calibri" panose="020F0502020204030204" pitchFamily="34" charset="0"/>
       <p:regular r:id="rId14"/>
       <p:bold r:id="rId15"/>
       <p:italic r:id="rId16"/>
       <p:boldItalic r:id="rId17"/>
+    </p:embeddedFont>
+    <p:embeddedFont>
+      <p:font typeface="PT Serif" panose="020B0604020202020204" charset="0"/>
+      <p:regular r:id="rId18"/>
+    </p:embeddedFont>
+    <p:embeddedFont>
+      <p:font typeface="DM Sans" panose="020B0604020202020204" charset="0"/>
+      <p:regular r:id="rId19"/>
     </p:embeddedFont>
   </p:embeddedFontLst>
   <p:defaultTextStyle>
@@ -165,7 +167,7 @@
     </p:spTree>
     <p:extLst>
       <p:ext uri="{BB962C8B-B14F-4D97-AF65-F5344CB8AC3E}">
-        <p14:creationId xmlns:p14="http://schemas.microsoft.com/office/powerpoint/2010/main" val="2923837367"/>
+        <p14:creationId xmlns:p14="http://schemas.microsoft.com/office/powerpoint/2010/main" val="2943896208"/>
       </p:ext>
     </p:extLst>
   </p:cSld>
@@ -349,6 +351,174 @@
 </p:notes>
 </file>
 
+<file path=ppt/notesSlides/notesSlide10.xml><?xml version="1.0" encoding="utf-8"?>
+<p:notes xmlns:a="http://schemas.openxmlformats.org/drawingml/2006/main" xmlns:r="http://schemas.openxmlformats.org/officeDocument/2006/relationships" xmlns:p="http://schemas.openxmlformats.org/presentationml/2006/main">
+  <p:cSld>
+    <p:spTree>
+      <p:nvGrpSpPr>
+        <p:cNvPr id="1" name=""/>
+        <p:cNvGrpSpPr/>
+        <p:nvPr/>
+      </p:nvGrpSpPr>
+      <p:grpSpPr>
+        <a:xfrm>
+          <a:off x="0" y="0"/>
+          <a:ext cx="0" cy="0"/>
+          <a:chOff x="0" y="0"/>
+          <a:chExt cx="0" cy="0"/>
+        </a:xfrm>
+      </p:grpSpPr>
+      <p:sp>
+        <p:nvSpPr>
+          <p:cNvPr id="2" name="Slide Image Placeholder 1"/>
+          <p:cNvSpPr>
+            <a:spLocks noGrp="1" noRot="1" noChangeAspect="1"/>
+          </p:cNvSpPr>
+          <p:nvPr>
+            <p:ph type="sldImg"/>
+          </p:nvPr>
+        </p:nvSpPr>
+        <p:spPr/>
+      </p:sp>
+      <p:sp>
+        <p:nvSpPr>
+          <p:cNvPr id="3" name="Notes Placeholder 2"/>
+          <p:cNvSpPr>
+            <a:spLocks noGrp="1"/>
+          </p:cNvSpPr>
+          <p:nvPr>
+            <p:ph type="body" idx="1"/>
+          </p:nvPr>
+        </p:nvSpPr>
+        <p:spPr/>
+        <p:txBody>
+          <a:bodyPr/>
+          <a:lstStyle/>
+          <a:p>
+            <a:endParaRPr lang="en-US" dirty="0"/>
+          </a:p>
+        </p:txBody>
+      </p:sp>
+      <p:sp>
+        <p:nvSpPr>
+          <p:cNvPr id="4" name="Slide Number Placeholder 3"/>
+          <p:cNvSpPr>
+            <a:spLocks noGrp="1"/>
+          </p:cNvSpPr>
+          <p:nvPr>
+            <p:ph type="sldNum" sz="quarter" idx="10"/>
+          </p:nvPr>
+        </p:nvSpPr>
+        <p:spPr/>
+        <p:txBody>
+          <a:bodyPr/>
+          <a:lstStyle/>
+          <a:p>
+            <a:fld id="{F7021451-1387-4CA6-816F-3879F97B5CBC}" type="slidenum">
+              <a:rPr lang="en-US"/>
+              <a:t>10</a:t>
+            </a:fld>
+            <a:endParaRPr lang="en-US"/>
+          </a:p>
+        </p:txBody>
+      </p:sp>
+    </p:spTree>
+    <p:extLst>
+      <p:ext uri="{BB962C8B-B14F-4D97-AF65-F5344CB8AC3E}">
+        <p14:creationId xmlns:p14="http://schemas.microsoft.com/office/powerpoint/2010/main" val="1024086991"/>
+      </p:ext>
+    </p:extLst>
+  </p:cSld>
+  <p:clrMapOvr>
+    <a:masterClrMapping/>
+  </p:clrMapOvr>
+</p:notes>
+</file>
+
+<file path=ppt/notesSlides/notesSlide11.xml><?xml version="1.0" encoding="utf-8"?>
+<p:notes xmlns:a="http://schemas.openxmlformats.org/drawingml/2006/main" xmlns:r="http://schemas.openxmlformats.org/officeDocument/2006/relationships" xmlns:p="http://schemas.openxmlformats.org/presentationml/2006/main">
+  <p:cSld>
+    <p:spTree>
+      <p:nvGrpSpPr>
+        <p:cNvPr id="1" name=""/>
+        <p:cNvGrpSpPr/>
+        <p:nvPr/>
+      </p:nvGrpSpPr>
+      <p:grpSpPr>
+        <a:xfrm>
+          <a:off x="0" y="0"/>
+          <a:ext cx="0" cy="0"/>
+          <a:chOff x="0" y="0"/>
+          <a:chExt cx="0" cy="0"/>
+        </a:xfrm>
+      </p:grpSpPr>
+      <p:sp>
+        <p:nvSpPr>
+          <p:cNvPr id="2" name="Slide Image Placeholder 1"/>
+          <p:cNvSpPr>
+            <a:spLocks noGrp="1" noRot="1" noChangeAspect="1"/>
+          </p:cNvSpPr>
+          <p:nvPr>
+            <p:ph type="sldImg"/>
+          </p:nvPr>
+        </p:nvSpPr>
+        <p:spPr/>
+      </p:sp>
+      <p:sp>
+        <p:nvSpPr>
+          <p:cNvPr id="3" name="Notes Placeholder 2"/>
+          <p:cNvSpPr>
+            <a:spLocks noGrp="1"/>
+          </p:cNvSpPr>
+          <p:nvPr>
+            <p:ph type="body" idx="1"/>
+          </p:nvPr>
+        </p:nvSpPr>
+        <p:spPr/>
+        <p:txBody>
+          <a:bodyPr/>
+          <a:lstStyle/>
+          <a:p>
+            <a:endParaRPr lang="en-US" dirty="0"/>
+          </a:p>
+        </p:txBody>
+      </p:sp>
+      <p:sp>
+        <p:nvSpPr>
+          <p:cNvPr id="4" name="Slide Number Placeholder 3"/>
+          <p:cNvSpPr>
+            <a:spLocks noGrp="1"/>
+          </p:cNvSpPr>
+          <p:nvPr>
+            <p:ph type="sldNum" sz="quarter" idx="10"/>
+          </p:nvPr>
+        </p:nvSpPr>
+        <p:spPr/>
+        <p:txBody>
+          <a:bodyPr/>
+          <a:lstStyle/>
+          <a:p>
+            <a:fld id="{F7021451-1387-4CA6-816F-3879F97B5CBC}" type="slidenum">
+              <a:rPr lang="en-US"/>
+              <a:t>11</a:t>
+            </a:fld>
+            <a:endParaRPr lang="en-US"/>
+          </a:p>
+        </p:txBody>
+      </p:sp>
+    </p:spTree>
+    <p:extLst>
+      <p:ext uri="{BB962C8B-B14F-4D97-AF65-F5344CB8AC3E}">
+        <p14:creationId xmlns:p14="http://schemas.microsoft.com/office/powerpoint/2010/main" val="1024086991"/>
+      </p:ext>
+    </p:extLst>
+  </p:cSld>
+  <p:clrMapOvr>
+    <a:masterClrMapping/>
+  </p:clrMapOvr>
+</p:notes>
+</file>
+
 <file path=ppt/notesSlides/notesSlide2.xml><?xml version="1.0" encoding="utf-8"?>
 <p:notes xmlns:a="http://schemas.openxmlformats.org/drawingml/2006/main" xmlns:r="http://schemas.openxmlformats.org/officeDocument/2006/relationships" xmlns:p="http://schemas.openxmlformats.org/presentationml/2006/main">
   <p:cSld>
@@ -1022,13 +1192,8 @@
 </file>
 
 <file path=ppt/slideLayouts/slideLayout1.xml><?xml version="1.0" encoding="utf-8"?>
-<p:sldLayout xmlns:a="http://schemas.openxmlformats.org/drawingml/2006/main" xmlns:r="http://schemas.openxmlformats.org/officeDocument/2006/relationships" xmlns:p="http://schemas.openxmlformats.org/presentationml/2006/main" preserve="1">
+<p:sldLayout xmlns:a="http://schemas.openxmlformats.org/drawingml/2006/main" xmlns:r="http://schemas.openxmlformats.org/officeDocument/2006/relationships" xmlns:p="http://schemas.openxmlformats.org/presentationml/2006/main" showMasterSp="0" preserve="1">
   <p:cSld name="DEFAULT">
-    <p:bg>
-      <p:bgRef idx="1001">
-        <a:schemeClr val="bg1"/>
-      </p:bgRef>
-    </p:bg>
     <p:spTree>
       <p:nvGrpSpPr>
         <p:cNvPr id="1" name=""/>
@@ -1052,7 +1217,7 @@
 </file>
 
 <file path=ppt/slideLayouts/slideLayout10.xml><?xml version="1.0" encoding="utf-8"?>
-<p:sldLayout xmlns:a="http://schemas.openxmlformats.org/drawingml/2006/main" xmlns:r="http://schemas.openxmlformats.org/officeDocument/2006/relationships" xmlns:p="http://schemas.openxmlformats.org/presentationml/2006/main" preserve="1">
+<p:sldLayout xmlns:a="http://schemas.openxmlformats.org/drawingml/2006/main" xmlns:r="http://schemas.openxmlformats.org/officeDocument/2006/relationships" xmlns:p="http://schemas.openxmlformats.org/presentationml/2006/main" showMasterSp="0" preserve="1">
   <p:cSld name="Slide 9 master">
     <p:spTree>
       <p:nvGrpSpPr>
@@ -1142,8 +1307,190 @@
 </p:sldLayout>
 </file>
 
+<file path=ppt/slideLayouts/slideLayout11.xml><?xml version="1.0" encoding="utf-8"?>
+<p:sldLayout xmlns:a="http://schemas.openxmlformats.org/drawingml/2006/main" xmlns:r="http://schemas.openxmlformats.org/officeDocument/2006/relationships" xmlns:p="http://schemas.openxmlformats.org/presentationml/2006/main" showMasterSp="0" preserve="1">
+  <p:cSld name="Slide 10 master">
+    <p:spTree>
+      <p:nvGrpSpPr>
+        <p:cNvPr id="1" name=""/>
+        <p:cNvGrpSpPr/>
+        <p:nvPr/>
+      </p:nvGrpSpPr>
+      <p:grpSpPr>
+        <a:xfrm>
+          <a:off x="0" y="0"/>
+          <a:ext cx="0" cy="0"/>
+          <a:chOff x="0" y="0"/>
+          <a:chExt cx="0" cy="0"/>
+        </a:xfrm>
+      </p:grpSpPr>
+      <p:sp>
+        <p:nvSpPr>
+          <p:cNvPr id="2" name="Shape 0"/>
+          <p:cNvSpPr/>
+          <p:nvPr/>
+        </p:nvSpPr>
+        <p:spPr>
+          <a:xfrm>
+            <a:off x="0" y="0"/>
+            <a:ext cx="14630400" cy="8229600"/>
+          </a:xfrm>
+          <a:prstGeom prst="rect">
+            <a:avLst/>
+          </a:prstGeom>
+          <a:solidFill>
+            <a:srgbClr val="FAFAFA"/>
+          </a:solidFill>
+          <a:ln/>
+        </p:spPr>
+      </p:sp>
+      <p:sp>
+        <p:nvSpPr>
+          <p:cNvPr id="3" name="Shape 1"/>
+          <p:cNvSpPr/>
+          <p:nvPr/>
+        </p:nvSpPr>
+        <p:spPr>
+          <a:xfrm>
+            <a:off x="0" y="0"/>
+            <a:ext cx="14630400" cy="8229600"/>
+          </a:xfrm>
+          <a:prstGeom prst="rect">
+            <a:avLst/>
+          </a:prstGeom>
+          <a:solidFill>
+            <a:srgbClr val="FFFFFF"/>
+          </a:solidFill>
+          <a:ln/>
+        </p:spPr>
+      </p:sp>
+      <p:pic>
+        <p:nvPicPr>
+          <p:cNvPr id="4" name="Image 0" descr="preencoded.png">
+            <a:hlinkClick r:id="rId2"/>
+          </p:cNvPr>
+          <p:cNvPicPr>
+            <a:picLocks noChangeAspect="1"/>
+          </p:cNvPicPr>
+          <p:nvPr/>
+        </p:nvPicPr>
+        <p:blipFill>
+          <a:blip r:embed="rId3"/>
+          <a:stretch>
+            <a:fillRect/>
+          </a:stretch>
+        </p:blipFill>
+        <p:spPr>
+          <a:xfrm>
+            <a:off x="12839215" y="7749540"/>
+            <a:ext cx="1722605" cy="411480"/>
+          </a:xfrm>
+          <a:prstGeom prst="rect">
+            <a:avLst/>
+          </a:prstGeom>
+        </p:spPr>
+      </p:pic>
+    </p:spTree>
+  </p:cSld>
+  <p:clrMapOvr>
+    <a:masterClrMapping/>
+  </p:clrMapOvr>
+</p:sldLayout>
+</file>
+
+<file path=ppt/slideLayouts/slideLayout12.xml><?xml version="1.0" encoding="utf-8"?>
+<p:sldLayout xmlns:a="http://schemas.openxmlformats.org/drawingml/2006/main" xmlns:r="http://schemas.openxmlformats.org/officeDocument/2006/relationships" xmlns:p="http://schemas.openxmlformats.org/presentationml/2006/main" showMasterSp="0" preserve="1">
+  <p:cSld name="Slide 11 master">
+    <p:spTree>
+      <p:nvGrpSpPr>
+        <p:cNvPr id="1" name=""/>
+        <p:cNvGrpSpPr/>
+        <p:nvPr/>
+      </p:nvGrpSpPr>
+      <p:grpSpPr>
+        <a:xfrm>
+          <a:off x="0" y="0"/>
+          <a:ext cx="0" cy="0"/>
+          <a:chOff x="0" y="0"/>
+          <a:chExt cx="0" cy="0"/>
+        </a:xfrm>
+      </p:grpSpPr>
+      <p:sp>
+        <p:nvSpPr>
+          <p:cNvPr id="2" name="Shape 0"/>
+          <p:cNvSpPr/>
+          <p:nvPr/>
+        </p:nvSpPr>
+        <p:spPr>
+          <a:xfrm>
+            <a:off x="0" y="0"/>
+            <a:ext cx="14630400" cy="8229600"/>
+          </a:xfrm>
+          <a:prstGeom prst="rect">
+            <a:avLst/>
+          </a:prstGeom>
+          <a:solidFill>
+            <a:srgbClr val="FAFAFA"/>
+          </a:solidFill>
+          <a:ln/>
+        </p:spPr>
+      </p:sp>
+      <p:sp>
+        <p:nvSpPr>
+          <p:cNvPr id="3" name="Shape 1"/>
+          <p:cNvSpPr/>
+          <p:nvPr/>
+        </p:nvSpPr>
+        <p:spPr>
+          <a:xfrm>
+            <a:off x="0" y="0"/>
+            <a:ext cx="14630400" cy="8229600"/>
+          </a:xfrm>
+          <a:prstGeom prst="rect">
+            <a:avLst/>
+          </a:prstGeom>
+          <a:solidFill>
+            <a:srgbClr val="FFFFFF"/>
+          </a:solidFill>
+          <a:ln/>
+        </p:spPr>
+      </p:sp>
+      <p:pic>
+        <p:nvPicPr>
+          <p:cNvPr id="4" name="Image 0" descr="preencoded.png">
+            <a:hlinkClick r:id="rId2"/>
+          </p:cNvPr>
+          <p:cNvPicPr>
+            <a:picLocks noChangeAspect="1"/>
+          </p:cNvPicPr>
+          <p:nvPr/>
+        </p:nvPicPr>
+        <p:blipFill>
+          <a:blip r:embed="rId3"/>
+          <a:stretch>
+            <a:fillRect/>
+          </a:stretch>
+        </p:blipFill>
+        <p:spPr>
+          <a:xfrm>
+            <a:off x="12839215" y="7749540"/>
+            <a:ext cx="1722605" cy="411480"/>
+          </a:xfrm>
+          <a:prstGeom prst="rect">
+            <a:avLst/>
+          </a:prstGeom>
+        </p:spPr>
+      </p:pic>
+    </p:spTree>
+  </p:cSld>
+  <p:clrMapOvr>
+    <a:masterClrMapping/>
+  </p:clrMapOvr>
+</p:sldLayout>
+</file>
+
 <file path=ppt/slideLayouts/slideLayout2.xml><?xml version="1.0" encoding="utf-8"?>
-<p:sldLayout xmlns:a="http://schemas.openxmlformats.org/drawingml/2006/main" xmlns:r="http://schemas.openxmlformats.org/officeDocument/2006/relationships" xmlns:p="http://schemas.openxmlformats.org/presentationml/2006/main" preserve="1">
+<p:sldLayout xmlns:a="http://schemas.openxmlformats.org/drawingml/2006/main" xmlns:r="http://schemas.openxmlformats.org/officeDocument/2006/relationships" xmlns:p="http://schemas.openxmlformats.org/presentationml/2006/main" showMasterSp="0" preserve="1">
   <p:cSld name="Slide 1 master">
     <p:spTree>
       <p:nvGrpSpPr>
@@ -1234,7 +1581,7 @@
 </file>
 
 <file path=ppt/slideLayouts/slideLayout3.xml><?xml version="1.0" encoding="utf-8"?>
-<p:sldLayout xmlns:a="http://schemas.openxmlformats.org/drawingml/2006/main" xmlns:r="http://schemas.openxmlformats.org/officeDocument/2006/relationships" xmlns:p="http://schemas.openxmlformats.org/presentationml/2006/main" preserve="1">
+<p:sldLayout xmlns:a="http://schemas.openxmlformats.org/drawingml/2006/main" xmlns:r="http://schemas.openxmlformats.org/officeDocument/2006/relationships" xmlns:p="http://schemas.openxmlformats.org/presentationml/2006/main" showMasterSp="0" preserve="1">
   <p:cSld name="Slide 2 master">
     <p:spTree>
       <p:nvGrpSpPr>
@@ -1325,7 +1672,7 @@
 </file>
 
 <file path=ppt/slideLayouts/slideLayout4.xml><?xml version="1.0" encoding="utf-8"?>
-<p:sldLayout xmlns:a="http://schemas.openxmlformats.org/drawingml/2006/main" xmlns:r="http://schemas.openxmlformats.org/officeDocument/2006/relationships" xmlns:p="http://schemas.openxmlformats.org/presentationml/2006/main" preserve="1">
+<p:sldLayout xmlns:a="http://schemas.openxmlformats.org/drawingml/2006/main" xmlns:r="http://schemas.openxmlformats.org/officeDocument/2006/relationships" xmlns:p="http://schemas.openxmlformats.org/presentationml/2006/main" showMasterSp="0" preserve="1">
   <p:cSld name="Slide 3 master">
     <p:spTree>
       <p:nvGrpSpPr>
@@ -1416,7 +1763,7 @@
 </file>
 
 <file path=ppt/slideLayouts/slideLayout5.xml><?xml version="1.0" encoding="utf-8"?>
-<p:sldLayout xmlns:a="http://schemas.openxmlformats.org/drawingml/2006/main" xmlns:r="http://schemas.openxmlformats.org/officeDocument/2006/relationships" xmlns:p="http://schemas.openxmlformats.org/presentationml/2006/main" preserve="1">
+<p:sldLayout xmlns:a="http://schemas.openxmlformats.org/drawingml/2006/main" xmlns:r="http://schemas.openxmlformats.org/officeDocument/2006/relationships" xmlns:p="http://schemas.openxmlformats.org/presentationml/2006/main" showMasterSp="0" preserve="1">
   <p:cSld name="Slide 4 master">
     <p:spTree>
       <p:nvGrpSpPr>
@@ -1507,7 +1854,7 @@
 </file>
 
 <file path=ppt/slideLayouts/slideLayout6.xml><?xml version="1.0" encoding="utf-8"?>
-<p:sldLayout xmlns:a="http://schemas.openxmlformats.org/drawingml/2006/main" xmlns:r="http://schemas.openxmlformats.org/officeDocument/2006/relationships" xmlns:p="http://schemas.openxmlformats.org/presentationml/2006/main" preserve="1">
+<p:sldLayout xmlns:a="http://schemas.openxmlformats.org/drawingml/2006/main" xmlns:r="http://schemas.openxmlformats.org/officeDocument/2006/relationships" xmlns:p="http://schemas.openxmlformats.org/presentationml/2006/main" showMasterSp="0" preserve="1">
   <p:cSld name="Slide 5 master">
     <p:spTree>
       <p:nvGrpSpPr>
@@ -1598,7 +1945,7 @@
 </file>
 
 <file path=ppt/slideLayouts/slideLayout7.xml><?xml version="1.0" encoding="utf-8"?>
-<p:sldLayout xmlns:a="http://schemas.openxmlformats.org/drawingml/2006/main" xmlns:r="http://schemas.openxmlformats.org/officeDocument/2006/relationships" xmlns:p="http://schemas.openxmlformats.org/presentationml/2006/main" preserve="1">
+<p:sldLayout xmlns:a="http://schemas.openxmlformats.org/drawingml/2006/main" xmlns:r="http://schemas.openxmlformats.org/officeDocument/2006/relationships" xmlns:p="http://schemas.openxmlformats.org/presentationml/2006/main" showMasterSp="0" preserve="1">
   <p:cSld name="Slide 6 master">
     <p:spTree>
       <p:nvGrpSpPr>
@@ -1689,7 +2036,7 @@
 </file>
 
 <file path=ppt/slideLayouts/slideLayout8.xml><?xml version="1.0" encoding="utf-8"?>
-<p:sldLayout xmlns:a="http://schemas.openxmlformats.org/drawingml/2006/main" xmlns:r="http://schemas.openxmlformats.org/officeDocument/2006/relationships" xmlns:p="http://schemas.openxmlformats.org/presentationml/2006/main" preserve="1">
+<p:sldLayout xmlns:a="http://schemas.openxmlformats.org/drawingml/2006/main" xmlns:r="http://schemas.openxmlformats.org/officeDocument/2006/relationships" xmlns:p="http://schemas.openxmlformats.org/presentationml/2006/main" showMasterSp="0" preserve="1">
   <p:cSld name="Slide 7 master">
     <p:spTree>
       <p:nvGrpSpPr>
@@ -1780,7 +2127,7 @@
 </file>
 
 <file path=ppt/slideLayouts/slideLayout9.xml><?xml version="1.0" encoding="utf-8"?>
-<p:sldLayout xmlns:a="http://schemas.openxmlformats.org/drawingml/2006/main" xmlns:r="http://schemas.openxmlformats.org/officeDocument/2006/relationships" xmlns:p="http://schemas.openxmlformats.org/presentationml/2006/main" preserve="1">
+<p:sldLayout xmlns:a="http://schemas.openxmlformats.org/drawingml/2006/main" xmlns:r="http://schemas.openxmlformats.org/officeDocument/2006/relationships" xmlns:p="http://schemas.openxmlformats.org/presentationml/2006/main" showMasterSp="0" preserve="1">
   <p:cSld name="Slide 8 master">
     <p:spTree>
       <p:nvGrpSpPr>
@@ -1874,9 +2221,12 @@
 <p:sldMaster xmlns:a="http://schemas.openxmlformats.org/drawingml/2006/main" xmlns:r="http://schemas.openxmlformats.org/officeDocument/2006/relationships" xmlns:p="http://schemas.openxmlformats.org/presentationml/2006/main">
   <p:cSld>
     <p:bg>
-      <p:bgRef idx="1001">
-        <a:schemeClr val="bg1"/>
-      </p:bgRef>
+      <p:bgPr>
+        <a:solidFill>
+          <a:srgbClr val="FFFFFF"/>
+        </a:solidFill>
+        <a:effectLst/>
+      </p:bgPr>
     </p:bg>
     <p:spTree>
       <p:nvGrpSpPr>
@@ -1906,6 +2256,8 @@
     <p:sldLayoutId id="2147483656" r:id="rId8"/>
     <p:sldLayoutId id="2147483657" r:id="rId9"/>
     <p:sldLayoutId id="2147483658" r:id="rId10"/>
+    <p:sldLayoutId id="2147483659" r:id="rId11"/>
+    <p:sldLayoutId id="2147483660" r:id="rId12"/>
   </p:sldLayoutIdLst>
   <p:hf sldNum="0" hdr="0" ftr="0" dt="0"/>
   <p:txStyles>
@@ -2162,7 +2514,7 @@
 </file>
 
 <file path=ppt/slides/slide1.xml><?xml version="1.0" encoding="utf-8"?>
-<p:sld xmlns:a="http://schemas.openxmlformats.org/drawingml/2006/main" xmlns:r="http://schemas.openxmlformats.org/officeDocument/2006/relationships" xmlns:p="http://schemas.openxmlformats.org/presentationml/2006/main">
+<p:sld xmlns:a="http://schemas.openxmlformats.org/drawingml/2006/main" xmlns:r="http://schemas.openxmlformats.org/officeDocument/2006/relationships" xmlns:p="http://schemas.openxmlformats.org/presentationml/2006/main" showMasterSp="0">
   <p:cSld name="Slide 1">
     <p:spTree>
       <p:nvGrpSpPr>
@@ -2332,67 +2684,585 @@
 Смирнов Егор Ильич
 Политучая Инна Александровна
 Соловьев Артем Сергеевич
-Храмов Дмитрий Александрович</a:t>
+Храмов Александр Дмитриевич</a:t>
             </a:r>
             <a:endParaRPr lang="en-US" sz="1750" dirty="0"/>
           </a:p>
         </p:txBody>
       </p:sp>
-      <p:sp>
-        <p:nvSpPr>
-          <p:cNvPr id="7" name="Прямоугольник 6"/>
+    </p:spTree>
+  </p:cSld>
+  <p:clrMapOvr>
+    <a:masterClrMapping/>
+  </p:clrMapOvr>
+</p:sld>
+</file>
+
+<file path=ppt/slides/slide10.xml><?xml version="1.0" encoding="utf-8"?>
+<p:sld xmlns:a="http://schemas.openxmlformats.org/drawingml/2006/main" xmlns:r="http://schemas.openxmlformats.org/officeDocument/2006/relationships" xmlns:p="http://schemas.openxmlformats.org/presentationml/2006/main" showMasterSp="0">
+  <p:cSld name="Slide 10">
+    <p:spTree>
+      <p:nvGrpSpPr>
+        <p:cNvPr id="1" name=""/>
+        <p:cNvGrpSpPr/>
+        <p:nvPr/>
+      </p:nvGrpSpPr>
+      <p:grpSpPr>
+        <a:xfrm>
+          <a:off x="0" y="0"/>
+          <a:ext cx="0" cy="0"/>
+          <a:chOff x="0" y="0"/>
+          <a:chExt cx="0" cy="0"/>
+        </a:xfrm>
+      </p:grpSpPr>
+      <p:pic>
+        <p:nvPicPr>
+          <p:cNvPr id="2" name="Image 0" descr="preencoded.png"/>
+          <p:cNvPicPr>
+            <a:picLocks noChangeAspect="1"/>
+          </p:cNvPicPr>
+          <p:nvPr/>
+        </p:nvPicPr>
+        <p:blipFill>
+          <a:blip r:embed="rId3"/>
+          <a:stretch>
+            <a:fillRect/>
+          </a:stretch>
+        </p:blipFill>
+        <p:spPr>
+          <a:xfrm>
+            <a:off x="12248912" y="780483"/>
+            <a:ext cx="1587698" cy="1480185"/>
+          </a:xfrm>
+          <a:prstGeom prst="rect">
+            <a:avLst/>
+          </a:prstGeom>
+        </p:spPr>
+      </p:pic>
+      <p:sp>
+        <p:nvSpPr>
+          <p:cNvPr id="3" name="Text 0"/>
           <p:cNvSpPr/>
           <p:nvPr/>
         </p:nvSpPr>
         <p:spPr>
           <a:xfrm>
-            <a:off x="12580883" y="7556938"/>
-            <a:ext cx="2049517" cy="588579"/>
-          </a:xfrm>
-          <a:prstGeom prst="rect">
-            <a:avLst/>
-          </a:prstGeom>
-          <a:solidFill>
-            <a:schemeClr val="bg1"/>
-          </a:solidFill>
-          <a:ln>
-            <a:solidFill>
-              <a:schemeClr val="bg1"/>
-            </a:solidFill>
-          </a:ln>
-        </p:spPr>
-        <p:style>
-          <a:lnRef idx="2">
-            <a:schemeClr val="accent6"/>
-          </a:lnRef>
-          <a:fillRef idx="1">
-            <a:schemeClr val="lt1"/>
-          </a:fillRef>
-          <a:effectRef idx="0">
-            <a:schemeClr val="accent6"/>
-          </a:effectRef>
-          <a:fontRef idx="minor">
-            <a:schemeClr val="dk1"/>
-          </a:fontRef>
-        </p:style>
+            <a:off x="793789" y="780483"/>
+            <a:ext cx="8137922" cy="744260"/>
+          </a:xfrm>
+          <a:prstGeom prst="rect">
+            <a:avLst/>
+          </a:prstGeom>
+          <a:noFill/>
+          <a:ln/>
+        </p:spPr>
         <p:txBody>
-          <a:bodyPr rtlCol="0" anchor="ctr"/>
+          <a:bodyPr wrap="none" lIns="0" tIns="0" rIns="0" bIns="0" rtlCol="0" anchor="t"/>
           <a:lstStyle/>
           <a:p>
-            <a:pPr algn="ctr"/>
-            <a:endParaRPr lang="en-US">
-              <a:ln>
-                <a:solidFill>
-                  <a:schemeClr val="bg1"/>
-                </a:solidFill>
-              </a:ln>
-              <a:solidFill>
-                <a:schemeClr val="bg1"/>
-              </a:solidFill>
+            <a:pPr marL="0" indent="0">
+              <a:lnSpc>
+                <a:spcPts val="5850"/>
+              </a:lnSpc>
+              <a:buNone/>
+            </a:pPr>
+            <a:r>
+              <a:rPr lang="en-US" sz="4650" dirty="0">
+                <a:solidFill>
+                  <a:srgbClr val="020202"/>
+                </a:solidFill>
+                <a:latin typeface="PT Serif" pitchFamily="34" charset="0"/>
+                <a:ea typeface="PT Serif" pitchFamily="34" charset="-122"/>
+                <a:cs typeface="PT Serif" pitchFamily="34" charset="-120"/>
+              </a:rPr>
+              <a:t>Квантовый вариант решения</a:t>
+            </a:r>
+            <a:endParaRPr lang="en-US" sz="4650" dirty="0"/>
+          </a:p>
+        </p:txBody>
+      </p:sp>
+      <p:sp>
+        <p:nvSpPr>
+          <p:cNvPr id="4" name="Text 1"/>
+          <p:cNvSpPr/>
+          <p:nvPr/>
+        </p:nvSpPr>
+        <p:spPr>
+          <a:xfrm>
+            <a:off x="793789" y="1864904"/>
+            <a:ext cx="13042821" cy="453509"/>
+          </a:xfrm>
+          <a:prstGeom prst="rect">
+            <a:avLst/>
+          </a:prstGeom>
+          <a:noFill/>
+          <a:ln/>
+        </p:spPr>
+        <p:txBody>
+          <a:bodyPr wrap="none" lIns="0" tIns="0" rIns="0" bIns="0" rtlCol="0" anchor="t"/>
+          <a:lstStyle/>
+          <a:p>
+            <a:pPr marL="0" indent="0">
+              <a:lnSpc>
+                <a:spcPts val="3550"/>
+              </a:lnSpc>
+              <a:buNone/>
+            </a:pPr>
+            <a:r>
+              <a:rPr lang="en-US" sz="2200" dirty="0">
+                <a:solidFill>
+                  <a:srgbClr val="383838"/>
+                </a:solidFill>
+                <a:latin typeface="DM Sans" pitchFamily="34" charset="0"/>
+                <a:ea typeface="DM Sans" pitchFamily="34" charset="-122"/>
+                <a:cs typeface="DM Sans" pitchFamily="34" charset="-120"/>
+              </a:rPr>
+              <a:t>В основе квантового варианта решения лежит алгоритм Харроу-Хассидим-Ллойда.</a:t>
+            </a:r>
+            <a:endParaRPr lang="en-US" sz="2200" dirty="0"/>
+          </a:p>
+        </p:txBody>
+      </p:sp>
+      <p:sp>
+        <p:nvSpPr>
+          <p:cNvPr id="5" name="Text 2"/>
+          <p:cNvSpPr/>
+          <p:nvPr/>
+        </p:nvSpPr>
+        <p:spPr>
+          <a:xfrm>
+            <a:off x="793791" y="2600829"/>
+            <a:ext cx="13060432" cy="4188854"/>
+          </a:xfrm>
+          <a:prstGeom prst="rect">
+            <a:avLst/>
+          </a:prstGeom>
+          <a:noFill/>
+          <a:ln/>
+        </p:spPr>
+        <p:txBody>
+          <a:bodyPr wrap="none" lIns="0" tIns="0" rIns="0" bIns="0" rtlCol="0" anchor="t"/>
+          <a:lstStyle/>
+          <a:p>
+            <a:pPr algn="ctr">
+              <a:lnSpc>
+                <a:spcPts val="3550"/>
+              </a:lnSpc>
+            </a:pPr>
+            <a:r>
+              <a:rPr lang="ru-RU" sz="2200" dirty="0" smtClean="0">
+                <a:solidFill>
+                  <a:srgbClr val="383838"/>
+                </a:solidFill>
+                <a:latin typeface="PT Serif" panose="020B0604020202020204" charset="0"/>
+                <a:ea typeface="DM Sans" pitchFamily="34" charset="-122"/>
+                <a:cs typeface="DM Sans" pitchFamily="34" charset="-120"/>
+              </a:rPr>
+              <a:t>Было предложено представить квантовую модель в следующем виде:</a:t>
+            </a:r>
+          </a:p>
+          <a:p>
+            <a:pPr algn="just">
+              <a:lnSpc>
+                <a:spcPts val="3550"/>
+              </a:lnSpc>
+            </a:pPr>
+            <a:r>
+              <a:rPr lang="ru-RU" sz="2200" dirty="0" smtClean="0">
+                <a:solidFill>
+                  <a:srgbClr val="383838"/>
+                </a:solidFill>
+                <a:latin typeface="PT Serif" panose="020B0604020202020204" charset="0"/>
+                <a:ea typeface="DM Sans" pitchFamily="34" charset="-122"/>
+                <a:cs typeface="DM Sans" pitchFamily="34" charset="-120"/>
+              </a:rPr>
+              <a:t>отклонением состояния по оси </a:t>
+            </a:r>
+            <a:r>
+              <a:rPr lang="ru-RU" sz="2200" dirty="0" err="1" smtClean="0">
+                <a:solidFill>
+                  <a:srgbClr val="383838"/>
+                </a:solidFill>
+                <a:latin typeface="PT Serif" panose="020B0604020202020204" charset="0"/>
+                <a:ea typeface="DM Sans" pitchFamily="34" charset="-122"/>
+                <a:cs typeface="DM Sans" pitchFamily="34" charset="-120"/>
+              </a:rPr>
+              <a:t>Ox</a:t>
+            </a:r>
+            <a:r>
+              <a:rPr lang="ru-RU" sz="2200" dirty="0" smtClean="0">
+                <a:solidFill>
+                  <a:srgbClr val="383838"/>
+                </a:solidFill>
+                <a:latin typeface="PT Serif" panose="020B0604020202020204" charset="0"/>
+                <a:ea typeface="DM Sans" pitchFamily="34" charset="-122"/>
+                <a:cs typeface="DM Sans" pitchFamily="34" charset="-120"/>
+              </a:rPr>
+              <a:t> примем индивидуальное слово, которое было встречено в</a:t>
+            </a:r>
+          </a:p>
+          <a:p>
+            <a:pPr algn="just">
+              <a:lnSpc>
+                <a:spcPts val="3550"/>
+              </a:lnSpc>
+            </a:pPr>
+            <a:r>
+              <a:rPr lang="ru-RU" sz="2200" dirty="0" smtClean="0">
+                <a:solidFill>
+                  <a:srgbClr val="383838"/>
+                </a:solidFill>
+                <a:latin typeface="PT Serif" panose="020B0604020202020204" charset="0"/>
+                <a:ea typeface="DM Sans" pitchFamily="34" charset="-122"/>
+                <a:cs typeface="DM Sans" pitchFamily="34" charset="-120"/>
+              </a:rPr>
+              <a:t>предложении, а отклонением по оси </a:t>
+            </a:r>
+            <a:r>
+              <a:rPr lang="ru-RU" sz="2200" dirty="0" err="1" smtClean="0">
+                <a:solidFill>
+                  <a:srgbClr val="383838"/>
+                </a:solidFill>
+                <a:latin typeface="PT Serif" panose="020B0604020202020204" charset="0"/>
+                <a:ea typeface="DM Sans" pitchFamily="34" charset="-122"/>
+                <a:cs typeface="DM Sans" pitchFamily="34" charset="-120"/>
+              </a:rPr>
+              <a:t>Oy</a:t>
+            </a:r>
+            <a:r>
+              <a:rPr lang="ru-RU" sz="2200" dirty="0" smtClean="0">
+                <a:solidFill>
+                  <a:srgbClr val="383838"/>
+                </a:solidFill>
+                <a:latin typeface="PT Serif" panose="020B0604020202020204" charset="0"/>
+                <a:ea typeface="DM Sans" pitchFamily="34" charset="-122"/>
+                <a:cs typeface="DM Sans" pitchFamily="34" charset="-120"/>
+              </a:rPr>
+              <a:t> на угол </a:t>
+            </a:r>
+            <a:r>
+              <a:rPr lang="en-US" sz="2200" dirty="0" smtClean="0">
+                <a:solidFill>
+                  <a:srgbClr val="383838"/>
+                </a:solidFill>
+                <a:latin typeface="PT Serif" panose="020B0604020202020204" charset="0"/>
+                <a:ea typeface="DM Sans" pitchFamily="34" charset="-122"/>
+                <a:cs typeface="DM Sans" pitchFamily="34" charset="-120"/>
+              </a:rPr>
+              <a:t>θ</a:t>
+            </a:r>
+            <a:r>
+              <a:rPr lang="ru-RU" sz="2200" dirty="0" smtClean="0">
+                <a:solidFill>
+                  <a:srgbClr val="383838"/>
+                </a:solidFill>
+                <a:latin typeface="PT Serif" panose="020B0604020202020204" charset="0"/>
+                <a:ea typeface="DM Sans" pitchFamily="34" charset="-122"/>
+                <a:cs typeface="DM Sans" pitchFamily="34" charset="-120"/>
+              </a:rPr>
+              <a:t> будем обозначать либо положительный вес</a:t>
+            </a:r>
+          </a:p>
+          <a:p>
+            <a:pPr algn="just">
+              <a:lnSpc>
+                <a:spcPts val="3550"/>
+              </a:lnSpc>
+            </a:pPr>
+            <a:r>
+              <a:rPr lang="ru-RU" sz="2200" dirty="0" smtClean="0">
+                <a:solidFill>
+                  <a:srgbClr val="383838"/>
+                </a:solidFill>
+                <a:latin typeface="PT Serif" panose="020B0604020202020204" charset="0"/>
+                <a:ea typeface="DM Sans" pitchFamily="34" charset="-122"/>
+                <a:cs typeface="DM Sans" pitchFamily="34" charset="-120"/>
+              </a:rPr>
+              <a:t>слова (отклонение в +), либо отрицательный вес (соответственно, в минус). На начальном этапе</a:t>
+            </a:r>
+          </a:p>
+          <a:p>
+            <a:pPr algn="just">
+              <a:lnSpc>
+                <a:spcPts val="3550"/>
+              </a:lnSpc>
+            </a:pPr>
+            <a:r>
+              <a:rPr lang="ru-RU" sz="2200" dirty="0" smtClean="0">
+                <a:solidFill>
+                  <a:srgbClr val="383838"/>
+                </a:solidFill>
+                <a:latin typeface="PT Serif" panose="020B0604020202020204" charset="0"/>
+                <a:ea typeface="DM Sans" pitchFamily="34" charset="-122"/>
+                <a:cs typeface="DM Sans" pitchFamily="34" charset="-120"/>
+              </a:rPr>
+              <a:t>отклонение нулевое, но при обработке предложений в соответствии с </a:t>
+            </a:r>
+            <a:r>
+              <a:rPr lang="ru-RU" sz="2200" dirty="0" err="1" smtClean="0">
+                <a:solidFill>
+                  <a:srgbClr val="383838"/>
+                </a:solidFill>
+                <a:latin typeface="PT Serif" panose="020B0604020202020204" charset="0"/>
+                <a:ea typeface="DM Sans" pitchFamily="34" charset="-122"/>
+                <a:cs typeface="DM Sans" pitchFamily="34" charset="-120"/>
+              </a:rPr>
+              <a:t>предзаданной</a:t>
+            </a:r>
+            <a:r>
+              <a:rPr lang="ru-RU" sz="2200" dirty="0" smtClean="0">
+                <a:solidFill>
+                  <a:srgbClr val="383838"/>
+                </a:solidFill>
+                <a:latin typeface="PT Serif" panose="020B0604020202020204" charset="0"/>
+                <a:ea typeface="DM Sans" pitchFamily="34" charset="-122"/>
+                <a:cs typeface="DM Sans" pitchFamily="34" charset="-120"/>
+              </a:rPr>
+              <a:t> окраской </a:t>
+            </a:r>
+          </a:p>
+          <a:p>
+            <a:pPr algn="just">
+              <a:lnSpc>
+                <a:spcPts val="3550"/>
+              </a:lnSpc>
+            </a:pPr>
+            <a:r>
+              <a:rPr lang="ru-RU" sz="2200" dirty="0" smtClean="0">
+                <a:solidFill>
+                  <a:srgbClr val="383838"/>
+                </a:solidFill>
+                <a:latin typeface="PT Serif" panose="020B0604020202020204" charset="0"/>
+                <a:ea typeface="DM Sans" pitchFamily="34" charset="-122"/>
+                <a:cs typeface="DM Sans" pitchFamily="34" charset="-120"/>
+              </a:rPr>
+              <a:t>(</a:t>
+            </a:r>
+            <a:r>
+              <a:rPr lang="ja-JP" altLang="en-US" sz="2200" dirty="0" smtClean="0">
+                <a:solidFill>
+                  <a:srgbClr val="383838"/>
+                </a:solidFill>
+                <a:latin typeface="PT Serif" panose="020B0604020202020204" charset="0"/>
+                <a:ea typeface="DM Sans" pitchFamily="34" charset="-122"/>
+                <a:cs typeface="DM Sans" pitchFamily="34" charset="-120"/>
+              </a:rPr>
+              <a:t>＋</a:t>
+            </a:r>
+            <a:r>
+              <a:rPr lang="ru-RU" sz="2200" dirty="0" smtClean="0">
+                <a:solidFill>
+                  <a:srgbClr val="383838"/>
+                </a:solidFill>
+                <a:latin typeface="PT Serif" panose="020B0604020202020204" charset="0"/>
+                <a:ea typeface="DM Sans" pitchFamily="34" charset="-122"/>
+                <a:cs typeface="DM Sans" pitchFamily="34" charset="-120"/>
+              </a:rPr>
+              <a:t> или </a:t>
+            </a:r>
+            <a:r>
+              <a:rPr lang="en-US" altLang="ja-JP" sz="2200" dirty="0" smtClean="0">
+                <a:solidFill>
+                  <a:srgbClr val="383838"/>
+                </a:solidFill>
+                <a:latin typeface="PT Serif" panose="020B0604020202020204" charset="0"/>
+                <a:ea typeface="DM Sans" pitchFamily="34" charset="-122"/>
+                <a:cs typeface="DM Sans" pitchFamily="34" charset="-120"/>
+              </a:rPr>
+              <a:t>—</a:t>
+            </a:r>
+            <a:r>
+              <a:rPr lang="ru-RU" sz="2200" dirty="0" smtClean="0">
+                <a:solidFill>
+                  <a:srgbClr val="383838"/>
+                </a:solidFill>
+                <a:latin typeface="PT Serif" panose="020B0604020202020204" charset="0"/>
+                <a:ea typeface="DM Sans" pitchFamily="34" charset="-122"/>
+                <a:cs typeface="DM Sans" pitchFamily="34" charset="-120"/>
+              </a:rPr>
+              <a:t>) будем производить отклонение каждого слова. Эмоциональная окраска считается из</a:t>
+            </a:r>
+          </a:p>
+          <a:p>
+            <a:pPr algn="just">
+              <a:lnSpc>
+                <a:spcPts val="3550"/>
+              </a:lnSpc>
+            </a:pPr>
+            <a:r>
+              <a:rPr lang="ru-RU" sz="2200" dirty="0" smtClean="0">
+                <a:solidFill>
+                  <a:srgbClr val="383838"/>
+                </a:solidFill>
+                <a:latin typeface="PT Serif" panose="020B0604020202020204" charset="0"/>
+                <a:ea typeface="DM Sans" pitchFamily="34" charset="-122"/>
+                <a:cs typeface="DM Sans" pitchFamily="34" charset="-120"/>
+              </a:rPr>
+              <a:t>сумм углов отклонений по каждому слову, входящему в данное предложение. Повторяем</a:t>
+            </a:r>
+          </a:p>
+          <a:p>
+            <a:pPr algn="just">
+              <a:lnSpc>
+                <a:spcPts val="3550"/>
+              </a:lnSpc>
+            </a:pPr>
+            <a:r>
+              <a:rPr lang="ru-RU" sz="2200" dirty="0" smtClean="0">
+                <a:solidFill>
+                  <a:srgbClr val="383838"/>
+                </a:solidFill>
+                <a:latin typeface="PT Serif" panose="020B0604020202020204" charset="0"/>
+                <a:ea typeface="DM Sans" pitchFamily="34" charset="-122"/>
+                <a:cs typeface="DM Sans" pitchFamily="34" charset="-120"/>
+              </a:rPr>
+              <a:t>вычисления несколько раз для достижения наибольшей точности и обучения модели</a:t>
+            </a:r>
+            <a:endParaRPr lang="en-US" sz="2200" dirty="0">
+              <a:latin typeface="PT Serif" panose="020B0604020202020204" charset="0"/>
             </a:endParaRPr>
           </a:p>
         </p:txBody>
       </p:sp>
+      <p:sp>
+        <p:nvSpPr>
+          <p:cNvPr id="9" name="Text 2"/>
+          <p:cNvSpPr/>
+          <p:nvPr/>
+        </p:nvSpPr>
+        <p:spPr>
+          <a:xfrm>
+            <a:off x="10848939" y="7058144"/>
+            <a:ext cx="2977039" cy="372070"/>
+          </a:xfrm>
+          <a:prstGeom prst="rect">
+            <a:avLst/>
+          </a:prstGeom>
+          <a:noFill/>
+          <a:ln/>
+        </p:spPr>
+        <p:txBody>
+          <a:bodyPr wrap="none" lIns="0" tIns="0" rIns="0" bIns="0" rtlCol="0" anchor="t"/>
+          <a:lstStyle/>
+          <a:p>
+            <a:pPr marL="0" indent="0" algn="r">
+              <a:lnSpc>
+                <a:spcPts val="2900"/>
+              </a:lnSpc>
+              <a:buNone/>
+            </a:pPr>
+            <a:r>
+              <a:rPr lang="ru-RU" sz="2300" dirty="0" smtClean="0">
+                <a:solidFill>
+                  <a:srgbClr val="020202"/>
+                </a:solidFill>
+                <a:latin typeface="PT Serif" pitchFamily="34" charset="0"/>
+                <a:ea typeface="PT Serif" pitchFamily="34" charset="-122"/>
+                <a:cs typeface="PT Serif" pitchFamily="34" charset="-120"/>
+              </a:rPr>
+              <a:t>10</a:t>
+            </a:r>
+            <a:endParaRPr lang="en-US" sz="2300" dirty="0"/>
+          </a:p>
+        </p:txBody>
+      </p:sp>
+    </p:spTree>
+  </p:cSld>
+  <p:clrMapOvr>
+    <a:masterClrMapping/>
+  </p:clrMapOvr>
+</p:sld>
+</file>
+
+<file path=ppt/slides/slide11.xml><?xml version="1.0" encoding="utf-8"?>
+<p:sld xmlns:a="http://schemas.openxmlformats.org/drawingml/2006/main" xmlns:r="http://schemas.openxmlformats.org/officeDocument/2006/relationships" xmlns:p="http://schemas.openxmlformats.org/presentationml/2006/main" showMasterSp="0">
+  <p:cSld name="Slide 11">
+    <p:spTree>
+      <p:nvGrpSpPr>
+        <p:cNvPr id="1" name=""/>
+        <p:cNvGrpSpPr/>
+        <p:nvPr/>
+      </p:nvGrpSpPr>
+      <p:grpSpPr>
+        <a:xfrm>
+          <a:off x="0" y="0"/>
+          <a:ext cx="0" cy="0"/>
+          <a:chOff x="0" y="0"/>
+          <a:chExt cx="0" cy="0"/>
+        </a:xfrm>
+      </p:grpSpPr>
+      <p:pic>
+        <p:nvPicPr>
+          <p:cNvPr id="2" name="Image 0" descr="preencoded.png"/>
+          <p:cNvPicPr>
+            <a:picLocks noChangeAspect="1"/>
+          </p:cNvPicPr>
+          <p:nvPr/>
+        </p:nvPicPr>
+        <p:blipFill>
+          <a:blip r:embed="rId3"/>
+          <a:stretch>
+            <a:fillRect/>
+          </a:stretch>
+        </p:blipFill>
+        <p:spPr>
+          <a:xfrm>
+            <a:off x="12248912" y="989886"/>
+            <a:ext cx="1587698" cy="1480185"/>
+          </a:xfrm>
+          <a:prstGeom prst="rect">
+            <a:avLst/>
+          </a:prstGeom>
+        </p:spPr>
+      </p:pic>
+      <p:pic>
+        <p:nvPicPr>
+          <p:cNvPr id="3" name="Image 1" descr="preencoded.png"/>
+          <p:cNvPicPr>
+            <a:picLocks noChangeAspect="1"/>
+          </p:cNvPicPr>
+          <p:nvPr/>
+        </p:nvPicPr>
+        <p:blipFill>
+          <a:blip r:embed="rId4"/>
+          <a:stretch>
+            <a:fillRect/>
+          </a:stretch>
+        </p:blipFill>
+        <p:spPr>
+          <a:xfrm>
+            <a:off x="793790" y="2725222"/>
+            <a:ext cx="13042821" cy="2452807"/>
+          </a:xfrm>
+          <a:prstGeom prst="rect">
+            <a:avLst/>
+          </a:prstGeom>
+        </p:spPr>
+      </p:pic>
+      <p:pic>
+        <p:nvPicPr>
+          <p:cNvPr id="4" name="Image 2" descr="preencoded.png"/>
+          <p:cNvPicPr>
+            <a:picLocks noChangeAspect="1"/>
+          </p:cNvPicPr>
+          <p:nvPr/>
+        </p:nvPicPr>
+        <p:blipFill>
+          <a:blip r:embed="rId5"/>
+          <a:stretch>
+            <a:fillRect/>
+          </a:stretch>
+        </p:blipFill>
+        <p:spPr>
+          <a:xfrm>
+            <a:off x="793790" y="5433179"/>
+            <a:ext cx="13042821" cy="1806416"/>
+          </a:xfrm>
+          <a:prstGeom prst="rect">
+            <a:avLst/>
+          </a:prstGeom>
+        </p:spPr>
+      </p:pic>
     </p:spTree>
   </p:cSld>
   <p:clrMapOvr>
@@ -2402,7 +3272,7 @@
 </file>
 
 <file path=ppt/slides/slide2.xml><?xml version="1.0" encoding="utf-8"?>
-<p:sld xmlns:a="http://schemas.openxmlformats.org/drawingml/2006/main" xmlns:r="http://schemas.openxmlformats.org/officeDocument/2006/relationships" xmlns:p="http://schemas.openxmlformats.org/presentationml/2006/main">
+<p:sld xmlns:a="http://schemas.openxmlformats.org/drawingml/2006/main" xmlns:r="http://schemas.openxmlformats.org/officeDocument/2006/relationships" xmlns:p="http://schemas.openxmlformats.org/presentationml/2006/main" showMasterSp="0">
   <p:cSld name="Slide 2">
     <p:spTree>
       <p:nvGrpSpPr>
@@ -2450,7 +3320,7 @@
         </p:nvSpPr>
         <p:spPr>
           <a:xfrm>
-            <a:off x="793790" y="2992279"/>
+            <a:off x="793790" y="2636163"/>
             <a:ext cx="5954197" cy="744260"/>
           </a:xfrm>
           <a:prstGeom prst="rect">
@@ -2492,7 +3362,7 @@
         </p:nvSpPr>
         <p:spPr>
           <a:xfrm>
-            <a:off x="793790" y="3963353"/>
+            <a:off x="793790" y="3607237"/>
             <a:ext cx="10867311" cy="453509"/>
           </a:xfrm>
           <a:prstGeom prst="rect">
@@ -2521,6 +3391,60 @@
                 <a:cs typeface="DM Sans" pitchFamily="34" charset="-120"/>
               </a:rPr>
               <a:t>В качестве алгоритма решения был выбран метод "квантового обжига".  </a:t>
+            </a:r>
+            <a:r>
+              <a:rPr lang="ru-RU" sz="2200" dirty="0" smtClean="0">
+                <a:solidFill>
+                  <a:srgbClr val="383838"/>
+                </a:solidFill>
+                <a:latin typeface="DM Sans" pitchFamily="34" charset="0"/>
+                <a:ea typeface="DM Sans" pitchFamily="34" charset="-122"/>
+                <a:cs typeface="DM Sans" pitchFamily="34" charset="-120"/>
+              </a:rPr>
+              <a:t/>
+            </a:r>
+            <a:br>
+              <a:rPr lang="ru-RU" sz="2200" dirty="0" smtClean="0">
+                <a:solidFill>
+                  <a:srgbClr val="383838"/>
+                </a:solidFill>
+                <a:latin typeface="DM Sans" pitchFamily="34" charset="0"/>
+                <a:ea typeface="DM Sans" pitchFamily="34" charset="-122"/>
+                <a:cs typeface="DM Sans" pitchFamily="34" charset="-120"/>
+              </a:rPr>
+            </a:br>
+            <a:r>
+              <a:rPr lang="ru-RU" sz="2200" dirty="0" smtClean="0">
+                <a:solidFill>
+                  <a:srgbClr val="383838"/>
+                </a:solidFill>
+                <a:latin typeface="DM Sans" pitchFamily="34" charset="0"/>
+                <a:ea typeface="DM Sans" pitchFamily="34" charset="-122"/>
+                <a:cs typeface="DM Sans" pitchFamily="34" charset="-120"/>
+              </a:rPr>
+              <a:t>(попиши что-нибудь </a:t>
+            </a:r>
+            <a:r>
+              <a:rPr lang="ru-RU" sz="2200" dirty="0" err="1" smtClean="0">
+                <a:solidFill>
+                  <a:srgbClr val="383838"/>
+                </a:solidFill>
+                <a:latin typeface="DM Sans" pitchFamily="34" charset="0"/>
+                <a:ea typeface="DM Sans" pitchFamily="34" charset="-122"/>
+                <a:cs typeface="DM Sans" pitchFamily="34" charset="-120"/>
+              </a:rPr>
+              <a:t>пж</a:t>
+            </a:r>
+            <a:r>
+              <a:rPr lang="ru-RU" sz="2200" dirty="0" smtClean="0">
+                <a:solidFill>
+                  <a:srgbClr val="383838"/>
+                </a:solidFill>
+                <a:latin typeface="DM Sans" pitchFamily="34" charset="0"/>
+                <a:ea typeface="DM Sans" pitchFamily="34" charset="-122"/>
+                <a:cs typeface="DM Sans" pitchFamily="34" charset="-120"/>
+              </a:rPr>
+              <a:t>)</a:t>
             </a:r>
             <a:endParaRPr lang="en-US" sz="2200" dirty="0"/>
           </a:p>
@@ -2542,7 +3466,7 @@
         </p:blipFill>
         <p:spPr>
           <a:xfrm>
-            <a:off x="12222123" y="3020616"/>
+            <a:off x="12222123" y="2664500"/>
             <a:ext cx="1621988" cy="1512094"/>
           </a:xfrm>
           <a:prstGeom prst="rect">
@@ -2558,7 +3482,7 @@
         </p:nvSpPr>
         <p:spPr>
           <a:xfrm>
-            <a:off x="793790" y="5269825"/>
+            <a:off x="793790" y="4913709"/>
             <a:ext cx="1486019" cy="744260"/>
           </a:xfrm>
           <a:prstGeom prst="rect">
@@ -2608,7 +3532,7 @@
         </p:blipFill>
         <p:spPr>
           <a:xfrm>
-            <a:off x="2840831" y="5298162"/>
+            <a:off x="2840831" y="4942046"/>
             <a:ext cx="2444591" cy="1328380"/>
           </a:xfrm>
           <a:prstGeom prst="rect">
@@ -2618,49 +3542,43 @@
       </p:pic>
       <p:sp>
         <p:nvSpPr>
-          <p:cNvPr id="8" name="Прямоугольник 7"/>
+          <p:cNvPr id="8" name="Text 3"/>
           <p:cNvSpPr/>
           <p:nvPr/>
         </p:nvSpPr>
         <p:spPr>
           <a:xfrm>
-            <a:off x="12696497" y="7651531"/>
-            <a:ext cx="1828800" cy="578069"/>
-          </a:xfrm>
-          <a:prstGeom prst="rect">
-            <a:avLst/>
-          </a:prstGeom>
-          <a:solidFill>
-            <a:schemeClr val="bg1"/>
-          </a:solidFill>
-          <a:ln>
-            <a:solidFill>
-              <a:schemeClr val="bg1"/>
-            </a:solidFill>
-          </a:ln>
-        </p:spPr>
-        <p:style>
-          <a:lnRef idx="2">
-            <a:schemeClr val="accent1">
-              <a:shade val="50000"/>
-            </a:schemeClr>
-          </a:lnRef>
-          <a:fillRef idx="1">
-            <a:schemeClr val="accent1"/>
-          </a:fillRef>
-          <a:effectRef idx="0">
-            <a:schemeClr val="accent1"/>
-          </a:effectRef>
-          <a:fontRef idx="minor">
-            <a:schemeClr val="lt1"/>
-          </a:fontRef>
-        </p:style>
+            <a:off x="10859572" y="6865739"/>
+            <a:ext cx="2977039" cy="372070"/>
+          </a:xfrm>
+          <a:prstGeom prst="rect">
+            <a:avLst/>
+          </a:prstGeom>
+          <a:noFill/>
+          <a:ln/>
+        </p:spPr>
         <p:txBody>
-          <a:bodyPr rtlCol="0" anchor="ctr"/>
+          <a:bodyPr wrap="none" lIns="0" tIns="0" rIns="0" bIns="0" rtlCol="0" anchor="t"/>
           <a:lstStyle/>
           <a:p>
-            <a:pPr algn="ctr"/>
-            <a:endParaRPr lang="en-US"/>
+            <a:pPr marL="0" indent="0" algn="r">
+              <a:lnSpc>
+                <a:spcPts val="2900"/>
+              </a:lnSpc>
+              <a:buNone/>
+            </a:pPr>
+            <a:r>
+              <a:rPr lang="en-US" sz="2300" dirty="0">
+                <a:solidFill>
+                  <a:srgbClr val="020202"/>
+                </a:solidFill>
+                <a:latin typeface="PT Serif" pitchFamily="34" charset="0"/>
+                <a:ea typeface="PT Serif" pitchFamily="34" charset="-122"/>
+                <a:cs typeface="PT Serif" pitchFamily="34" charset="-120"/>
+              </a:rPr>
+              <a:t>2</a:t>
+            </a:r>
+            <a:endParaRPr lang="en-US" sz="2300" dirty="0"/>
           </a:p>
         </p:txBody>
       </p:sp>
@@ -2673,7 +3591,7 @@
 </file>
 
 <file path=ppt/slides/slide3.xml><?xml version="1.0" encoding="utf-8"?>
-<p:sld xmlns:a="http://schemas.openxmlformats.org/drawingml/2006/main" xmlns:r="http://schemas.openxmlformats.org/officeDocument/2006/relationships" xmlns:p="http://schemas.openxmlformats.org/presentationml/2006/main">
+<p:sld xmlns:a="http://schemas.openxmlformats.org/drawingml/2006/main" xmlns:r="http://schemas.openxmlformats.org/officeDocument/2006/relationships" xmlns:p="http://schemas.openxmlformats.org/presentationml/2006/main" showMasterSp="0">
   <p:cSld name="Slide 3">
     <p:spTree>
       <p:nvGrpSpPr>
@@ -2697,7 +3615,7 @@
         </p:nvSpPr>
         <p:spPr>
           <a:xfrm>
-            <a:off x="793790" y="1359456"/>
+            <a:off x="793790" y="1003340"/>
             <a:ext cx="10595491" cy="1360527"/>
           </a:xfrm>
           <a:prstGeom prst="rect">
@@ -2747,7 +3665,7 @@
         </p:blipFill>
         <p:spPr>
           <a:xfrm>
-            <a:off x="12256413" y="1410533"/>
+            <a:off x="12256413" y="1054418"/>
             <a:ext cx="1587698" cy="1480185"/>
           </a:xfrm>
           <a:prstGeom prst="rect">
@@ -2763,7 +3681,7 @@
         </p:nvSpPr>
         <p:spPr>
           <a:xfrm>
-            <a:off x="793790" y="3627834"/>
+            <a:off x="793790" y="3271718"/>
             <a:ext cx="1486019" cy="744260"/>
           </a:xfrm>
           <a:prstGeom prst="rect">
@@ -2813,7 +3731,7 @@
         </p:blipFill>
         <p:spPr>
           <a:xfrm>
-            <a:off x="2840831" y="3656171"/>
+            <a:off x="2840831" y="3300055"/>
             <a:ext cx="8417719" cy="1575435"/>
           </a:xfrm>
           <a:prstGeom prst="rect">
@@ -2837,7 +3755,7 @@
         </p:blipFill>
         <p:spPr>
           <a:xfrm>
-            <a:off x="2840831" y="5486757"/>
+            <a:off x="2840831" y="5130641"/>
             <a:ext cx="11003280" cy="1332190"/>
           </a:xfrm>
           <a:prstGeom prst="rect">
@@ -2847,49 +3765,43 @@
       </p:pic>
       <p:sp>
         <p:nvSpPr>
-          <p:cNvPr id="7" name="Прямоугольник 6"/>
+          <p:cNvPr id="7" name="Text 2"/>
           <p:cNvSpPr/>
           <p:nvPr/>
         </p:nvSpPr>
         <p:spPr>
           <a:xfrm>
-            <a:off x="12738538" y="7683062"/>
-            <a:ext cx="1891862" cy="546538"/>
-          </a:xfrm>
-          <a:prstGeom prst="rect">
-            <a:avLst/>
-          </a:prstGeom>
-          <a:solidFill>
-            <a:schemeClr val="bg1"/>
-          </a:solidFill>
-          <a:ln>
-            <a:solidFill>
-              <a:schemeClr val="bg1"/>
-            </a:solidFill>
-          </a:ln>
-        </p:spPr>
-        <p:style>
-          <a:lnRef idx="2">
-            <a:schemeClr val="accent1">
-              <a:shade val="50000"/>
-            </a:schemeClr>
-          </a:lnRef>
-          <a:fillRef idx="1">
-            <a:schemeClr val="accent1"/>
-          </a:fillRef>
-          <a:effectRef idx="0">
-            <a:schemeClr val="accent1"/>
-          </a:effectRef>
-          <a:fontRef idx="minor">
-            <a:schemeClr val="lt1"/>
-          </a:fontRef>
-        </p:style>
+            <a:off x="10859572" y="7058144"/>
+            <a:ext cx="2977039" cy="372070"/>
+          </a:xfrm>
+          <a:prstGeom prst="rect">
+            <a:avLst/>
+          </a:prstGeom>
+          <a:noFill/>
+          <a:ln/>
+        </p:spPr>
         <p:txBody>
-          <a:bodyPr rtlCol="0" anchor="ctr"/>
+          <a:bodyPr wrap="none" lIns="0" tIns="0" rIns="0" bIns="0" rtlCol="0" anchor="t"/>
           <a:lstStyle/>
           <a:p>
-            <a:pPr algn="ctr"/>
-            <a:endParaRPr lang="en-US"/>
+            <a:pPr marL="0" indent="0" algn="r">
+              <a:lnSpc>
+                <a:spcPts val="2900"/>
+              </a:lnSpc>
+              <a:buNone/>
+            </a:pPr>
+            <a:r>
+              <a:rPr lang="en-US" sz="2300" dirty="0">
+                <a:solidFill>
+                  <a:srgbClr val="020202"/>
+                </a:solidFill>
+                <a:latin typeface="PT Serif" pitchFamily="34" charset="0"/>
+                <a:ea typeface="PT Serif" pitchFamily="34" charset="-122"/>
+                <a:cs typeface="PT Serif" pitchFamily="34" charset="-120"/>
+              </a:rPr>
+              <a:t>3</a:t>
+            </a:r>
+            <a:endParaRPr lang="en-US" sz="2300" dirty="0"/>
           </a:p>
         </p:txBody>
       </p:sp>
@@ -2902,7 +3814,7 @@
 </file>
 
 <file path=ppt/slides/slide4.xml><?xml version="1.0" encoding="utf-8"?>
-<p:sld xmlns:a="http://schemas.openxmlformats.org/drawingml/2006/main" xmlns:r="http://schemas.openxmlformats.org/officeDocument/2006/relationships" xmlns:p="http://schemas.openxmlformats.org/presentationml/2006/main">
+<p:sld xmlns:a="http://schemas.openxmlformats.org/drawingml/2006/main" xmlns:r="http://schemas.openxmlformats.org/officeDocument/2006/relationships" xmlns:p="http://schemas.openxmlformats.org/presentationml/2006/main" showMasterSp="0">
   <p:cSld name="Slide 4">
     <p:spTree>
       <p:nvGrpSpPr>
@@ -2934,7 +3846,7 @@
         </p:blipFill>
         <p:spPr>
           <a:xfrm>
-            <a:off x="12097702" y="1200031"/>
+            <a:off x="12097702" y="843915"/>
             <a:ext cx="1738908" cy="1621155"/>
           </a:xfrm>
           <a:prstGeom prst="rect">
@@ -2950,7 +3862,7 @@
         </p:nvSpPr>
         <p:spPr>
           <a:xfrm>
-            <a:off x="793790" y="3303151"/>
+            <a:off x="793790" y="2947035"/>
             <a:ext cx="3797379" cy="744260"/>
           </a:xfrm>
           <a:prstGeom prst="rect">
@@ -3000,7 +3912,7 @@
         </p:blipFill>
         <p:spPr>
           <a:xfrm>
-            <a:off x="5152192" y="3331488"/>
+            <a:off x="5152192" y="2975372"/>
             <a:ext cx="5557242" cy="849392"/>
           </a:xfrm>
           <a:prstGeom prst="rect">
@@ -3016,7 +3928,7 @@
         </p:nvSpPr>
         <p:spPr>
           <a:xfrm>
-            <a:off x="5152192" y="4436031"/>
+            <a:off x="5152192" y="4079915"/>
             <a:ext cx="8691920" cy="362903"/>
           </a:xfrm>
           <a:prstGeom prst="rect">
@@ -3047,7 +3959,7 @@
         </p:nvSpPr>
         <p:spPr>
           <a:xfrm>
-            <a:off x="793790" y="5484971"/>
+            <a:off x="793790" y="5128855"/>
             <a:ext cx="3797379" cy="744260"/>
           </a:xfrm>
           <a:prstGeom prst="rect">
@@ -3097,7 +4009,7 @@
         </p:blipFill>
         <p:spPr>
           <a:xfrm>
-            <a:off x="5152192" y="5513308"/>
+            <a:off x="5152192" y="5157192"/>
             <a:ext cx="1638181" cy="694015"/>
           </a:xfrm>
           <a:prstGeom prst="rect">
@@ -3113,7 +4025,7 @@
         </p:nvSpPr>
         <p:spPr>
           <a:xfrm>
-            <a:off x="5152192" y="6462474"/>
+            <a:off x="5152192" y="6106358"/>
             <a:ext cx="8691920" cy="362903"/>
           </a:xfrm>
           <a:prstGeom prst="rect">
@@ -3138,49 +4050,43 @@
       </p:sp>
       <p:sp>
         <p:nvSpPr>
-          <p:cNvPr id="9" name="Прямоугольник 8"/>
+          <p:cNvPr id="10" name="Text 4"/>
           <p:cNvSpPr/>
           <p:nvPr/>
         </p:nvSpPr>
         <p:spPr>
           <a:xfrm>
-            <a:off x="12728028" y="7504386"/>
-            <a:ext cx="1902372" cy="725214"/>
-          </a:xfrm>
-          <a:prstGeom prst="rect">
-            <a:avLst/>
-          </a:prstGeom>
-          <a:solidFill>
-            <a:schemeClr val="bg1"/>
-          </a:solidFill>
-          <a:ln>
-            <a:solidFill>
-              <a:schemeClr val="bg1"/>
-            </a:solidFill>
-          </a:ln>
-        </p:spPr>
-        <p:style>
-          <a:lnRef idx="2">
-            <a:schemeClr val="accent1">
-              <a:shade val="50000"/>
-            </a:schemeClr>
-          </a:lnRef>
-          <a:fillRef idx="1">
-            <a:schemeClr val="accent1"/>
-          </a:fillRef>
-          <a:effectRef idx="0">
-            <a:schemeClr val="accent1"/>
-          </a:effectRef>
-          <a:fontRef idx="minor">
-            <a:schemeClr val="lt1"/>
-          </a:fontRef>
-        </p:style>
+            <a:off x="10859572" y="7013496"/>
+            <a:ext cx="2977039" cy="372070"/>
+          </a:xfrm>
+          <a:prstGeom prst="rect">
+            <a:avLst/>
+          </a:prstGeom>
+          <a:noFill/>
+          <a:ln/>
+        </p:spPr>
         <p:txBody>
-          <a:bodyPr rtlCol="0" anchor="ctr"/>
+          <a:bodyPr wrap="none" lIns="0" tIns="0" rIns="0" bIns="0" rtlCol="0" anchor="t"/>
           <a:lstStyle/>
           <a:p>
-            <a:pPr algn="ctr"/>
-            <a:endParaRPr lang="en-US"/>
+            <a:pPr marL="0" indent="0" algn="r">
+              <a:lnSpc>
+                <a:spcPts val="2900"/>
+              </a:lnSpc>
+              <a:buNone/>
+            </a:pPr>
+            <a:r>
+              <a:rPr lang="en-US" sz="2300" dirty="0">
+                <a:solidFill>
+                  <a:srgbClr val="020202"/>
+                </a:solidFill>
+                <a:latin typeface="PT Serif" pitchFamily="34" charset="0"/>
+                <a:ea typeface="PT Serif" pitchFamily="34" charset="-122"/>
+                <a:cs typeface="PT Serif" pitchFamily="34" charset="-120"/>
+              </a:rPr>
+              <a:t>4</a:t>
+            </a:r>
+            <a:endParaRPr lang="en-US" sz="2300" dirty="0"/>
           </a:p>
         </p:txBody>
       </p:sp>
@@ -3193,7 +4099,7 @@
 </file>
 
 <file path=ppt/slides/slide5.xml><?xml version="1.0" encoding="utf-8"?>
-<p:sld xmlns:a="http://schemas.openxmlformats.org/drawingml/2006/main" xmlns:r="http://schemas.openxmlformats.org/officeDocument/2006/relationships" xmlns:p="http://schemas.openxmlformats.org/presentationml/2006/main">
+<p:sld xmlns:a="http://schemas.openxmlformats.org/drawingml/2006/main" xmlns:r="http://schemas.openxmlformats.org/officeDocument/2006/relationships" xmlns:p="http://schemas.openxmlformats.org/presentationml/2006/main" showMasterSp="0">
   <p:cSld name="Slide 5">
     <p:spTree>
       <p:nvGrpSpPr>
@@ -3225,8 +4131,8 @@
         </p:blipFill>
         <p:spPr>
           <a:xfrm>
-            <a:off x="12456200" y="569357"/>
-            <a:ext cx="1449467" cy="1351240"/>
+            <a:off x="12712898" y="502206"/>
+            <a:ext cx="1278374" cy="1191816"/>
           </a:xfrm>
           <a:prstGeom prst="rect">
             <a:avLst/>
@@ -3241,8 +4147,8 @@
         </p:nvSpPr>
         <p:spPr>
           <a:xfrm>
-            <a:off x="724733" y="2231112"/>
-            <a:ext cx="5435798" cy="679490"/>
+            <a:off x="639127" y="798493"/>
+            <a:ext cx="4794052" cy="599242"/>
           </a:xfrm>
           <a:prstGeom prst="rect">
             <a:avLst/>
@@ -3256,12 +4162,12 @@
           <a:p>
             <a:pPr marL="0" indent="0">
               <a:lnSpc>
-                <a:spcPts val="5350"/>
+                <a:spcPts val="4700"/>
               </a:lnSpc>
               <a:buNone/>
             </a:pPr>
             <a:r>
-              <a:rPr lang="en-US" sz="4250" dirty="0">
+              <a:rPr lang="en-US" sz="3750" dirty="0">
                 <a:solidFill>
                   <a:srgbClr val="020202"/>
                 </a:solidFill>
@@ -3271,7 +4177,7 @@
               </a:rPr>
               <a:t>Результаты:</a:t>
             </a:r>
-            <a:endParaRPr lang="en-US" sz="4250" dirty="0"/>
+            <a:endParaRPr lang="en-US" sz="3750" dirty="0"/>
           </a:p>
         </p:txBody>
       </p:sp>
@@ -3291,8 +4197,8 @@
         </p:blipFill>
         <p:spPr>
           <a:xfrm>
-            <a:off x="724733" y="3221117"/>
-            <a:ext cx="13180933" cy="3918942"/>
+            <a:off x="639126" y="1694022"/>
+            <a:ext cx="13352145" cy="3969782"/>
           </a:xfrm>
           <a:prstGeom prst="rect">
             <a:avLst/>
@@ -3307,8 +4213,8 @@
         </p:nvSpPr>
         <p:spPr>
           <a:xfrm>
-            <a:off x="724733" y="7372945"/>
-            <a:ext cx="13180933" cy="662464"/>
+            <a:off x="639127" y="5960090"/>
+            <a:ext cx="13352143" cy="1948233"/>
           </a:xfrm>
           <a:prstGeom prst="rect">
             <a:avLst/>
@@ -3322,12 +4228,12 @@
           <a:p>
             <a:pPr marL="0" indent="0">
               <a:lnSpc>
-                <a:spcPts val="2600"/>
+                <a:spcPts val="2300"/>
               </a:lnSpc>
               <a:buNone/>
             </a:pPr>
             <a:r>
-              <a:rPr lang="en-US" sz="1600" dirty="0">
+              <a:rPr lang="en-US" sz="2200" dirty="0">
                 <a:solidFill>
                   <a:srgbClr val="383838"/>
                 </a:solidFill>
@@ -3336,57 +4242,129 @@
                 <a:cs typeface="DM Sans" pitchFamily="34" charset="-120"/>
               </a:rPr>
               <a:t>Решение задачи 1 работает, но с некоторыми ограничениями:
-1) Риск не имеет верхней границы, а лишь стремится к значению 0.2, из-за чего может иногда вылезать за границу.</a:t>
-            </a:r>
-            <a:endParaRPr lang="en-US" sz="1600" dirty="0"/>
+1) Риск не имеет верхней границы, а лишь стремится к значению 0.2, из-за чего может иногда вылезать за </a:t>
+            </a:r>
+            <a:r>
+              <a:rPr lang="en-US" sz="2200" dirty="0" err="1">
+                <a:solidFill>
+                  <a:srgbClr val="383838"/>
+                </a:solidFill>
+                <a:latin typeface="DM Sans" pitchFamily="34" charset="0"/>
+                <a:ea typeface="DM Sans" pitchFamily="34" charset="-122"/>
+                <a:cs typeface="DM Sans" pitchFamily="34" charset="-120"/>
+              </a:rPr>
+              <a:t>границу</a:t>
+            </a:r>
+            <a:r>
+              <a:rPr lang="en-US" sz="2200" dirty="0" smtClean="0">
+                <a:solidFill>
+                  <a:srgbClr val="383838"/>
+                </a:solidFill>
+                <a:latin typeface="DM Sans" pitchFamily="34" charset="0"/>
+                <a:ea typeface="DM Sans" pitchFamily="34" charset="-122"/>
+                <a:cs typeface="DM Sans" pitchFamily="34" charset="-120"/>
+              </a:rPr>
+              <a:t>.</a:t>
+            </a:r>
+            <a:endParaRPr lang="ru-RU" sz="2200" dirty="0" smtClean="0">
+              <a:solidFill>
+                <a:srgbClr val="383838"/>
+              </a:solidFill>
+              <a:latin typeface="DM Sans" pitchFamily="34" charset="0"/>
+              <a:ea typeface="DM Sans" pitchFamily="34" charset="-122"/>
+              <a:cs typeface="DM Sans" pitchFamily="34" charset="-120"/>
+            </a:endParaRPr>
+          </a:p>
+          <a:p>
+            <a:pPr marL="0" indent="0">
+              <a:lnSpc>
+                <a:spcPts val="2300"/>
+              </a:lnSpc>
+              <a:buNone/>
+            </a:pPr>
+            <a:r>
+              <a:rPr lang="ru-RU" sz="2200" dirty="0" smtClean="0">
+                <a:solidFill>
+                  <a:srgbClr val="383838"/>
+                </a:solidFill>
+              </a:rPr>
+              <a:t>2) Неточность связанная с экспериментальным подходом к выбору значений коэффициентов </a:t>
+            </a:r>
+            <a:r>
+              <a:rPr lang="en-US" sz="2200" dirty="0" smtClean="0">
+                <a:solidFill>
+                  <a:srgbClr val="383838"/>
+                </a:solidFill>
+              </a:rPr>
+              <a:t>q1</a:t>
+            </a:r>
+            <a:r>
+              <a:rPr lang="ru-RU" sz="2200" dirty="0" smtClean="0">
+                <a:solidFill>
+                  <a:srgbClr val="383838"/>
+                </a:solidFill>
+              </a:rPr>
+              <a:t> и</a:t>
+            </a:r>
+            <a:r>
+              <a:rPr lang="en-US" sz="2200" dirty="0" smtClean="0">
+                <a:solidFill>
+                  <a:srgbClr val="383838"/>
+                </a:solidFill>
+              </a:rPr>
+              <a:t> q2</a:t>
+            </a:r>
+            <a:r>
+              <a:rPr lang="ru-RU" sz="2200" dirty="0" smtClean="0">
+                <a:solidFill>
+                  <a:srgbClr val="383838"/>
+                </a:solidFill>
+              </a:rPr>
+              <a:t>, требующий дальнейшего исследования.</a:t>
+            </a:r>
+            <a:endParaRPr lang="en-US" sz="2200" dirty="0"/>
           </a:p>
         </p:txBody>
       </p:sp>
       <p:sp>
         <p:nvSpPr>
-          <p:cNvPr id="6" name="Прямоугольник 5"/>
+          <p:cNvPr id="7" name="Text 4"/>
           <p:cNvSpPr/>
           <p:nvPr/>
         </p:nvSpPr>
         <p:spPr>
           <a:xfrm>
-            <a:off x="12770069" y="7609490"/>
-            <a:ext cx="1860331" cy="620110"/>
-          </a:xfrm>
-          <a:prstGeom prst="rect">
-            <a:avLst/>
-          </a:prstGeom>
-          <a:solidFill>
-            <a:schemeClr val="bg1"/>
-          </a:solidFill>
-          <a:ln>
-            <a:solidFill>
-              <a:schemeClr val="bg1"/>
-            </a:solidFill>
-          </a:ln>
-        </p:spPr>
-        <p:style>
-          <a:lnRef idx="2">
-            <a:schemeClr val="accent1">
-              <a:shade val="50000"/>
-            </a:schemeClr>
-          </a:lnRef>
-          <a:fillRef idx="1">
-            <a:schemeClr val="accent1"/>
-          </a:fillRef>
-          <a:effectRef idx="0">
-            <a:schemeClr val="accent1"/>
-          </a:effectRef>
-          <a:fontRef idx="minor">
-            <a:schemeClr val="lt1"/>
-          </a:fontRef>
-        </p:style>
+            <a:off x="10859572" y="7013496"/>
+            <a:ext cx="2977039" cy="372070"/>
+          </a:xfrm>
+          <a:prstGeom prst="rect">
+            <a:avLst/>
+          </a:prstGeom>
+          <a:noFill/>
+          <a:ln/>
+        </p:spPr>
         <p:txBody>
-          <a:bodyPr rtlCol="0" anchor="ctr"/>
+          <a:bodyPr wrap="none" lIns="0" tIns="0" rIns="0" bIns="0" rtlCol="0" anchor="t"/>
           <a:lstStyle/>
           <a:p>
-            <a:pPr algn="ctr"/>
-            <a:endParaRPr lang="en-US"/>
+            <a:pPr marL="0" indent="0" algn="r">
+              <a:lnSpc>
+                <a:spcPts val="2900"/>
+              </a:lnSpc>
+              <a:buNone/>
+            </a:pPr>
+            <a:r>
+              <a:rPr lang="en-US" sz="2300" dirty="0" smtClean="0">
+                <a:solidFill>
+                  <a:srgbClr val="020202"/>
+                </a:solidFill>
+                <a:latin typeface="PT Serif" pitchFamily="34" charset="0"/>
+                <a:ea typeface="PT Serif" pitchFamily="34" charset="-122"/>
+                <a:cs typeface="PT Serif" pitchFamily="34" charset="-120"/>
+              </a:rPr>
+              <a:t>4</a:t>
+            </a:r>
+            <a:endParaRPr lang="en-US" sz="2300" dirty="0"/>
           </a:p>
         </p:txBody>
       </p:sp>
@@ -3399,7 +4377,7 @@
 </file>
 
 <file path=ppt/slides/slide6.xml><?xml version="1.0" encoding="utf-8"?>
-<p:sld xmlns:a="http://schemas.openxmlformats.org/drawingml/2006/main" xmlns:r="http://schemas.openxmlformats.org/officeDocument/2006/relationships" xmlns:p="http://schemas.openxmlformats.org/presentationml/2006/main">
+<p:sld xmlns:a="http://schemas.openxmlformats.org/drawingml/2006/main" xmlns:r="http://schemas.openxmlformats.org/officeDocument/2006/relationships" xmlns:p="http://schemas.openxmlformats.org/presentationml/2006/main" showMasterSp="0">
   <p:cSld name="Slide 6">
     <p:spTree>
       <p:nvGrpSpPr>
@@ -3431,7 +4409,7 @@
         </p:blipFill>
         <p:spPr>
           <a:xfrm>
-            <a:off x="793790" y="1301829"/>
+            <a:off x="793790" y="686221"/>
             <a:ext cx="1587698" cy="1480185"/>
           </a:xfrm>
           <a:prstGeom prst="rect">
@@ -3447,7 +4425,7 @@
         </p:nvSpPr>
         <p:spPr>
           <a:xfrm>
-            <a:off x="793790" y="3122176"/>
+            <a:off x="793790" y="2766060"/>
             <a:ext cx="9946481" cy="744260"/>
           </a:xfrm>
           <a:prstGeom prst="rect">
@@ -3489,7 +4467,7 @@
         </p:nvSpPr>
         <p:spPr>
           <a:xfrm>
-            <a:off x="793790" y="4206597"/>
+            <a:off x="793790" y="3850481"/>
             <a:ext cx="13042821" cy="2721054"/>
           </a:xfrm>
           <a:prstGeom prst="rect">
@@ -3526,49 +4504,43 @@
       </p:sp>
       <p:sp>
         <p:nvSpPr>
-          <p:cNvPr id="5" name="Прямоугольник 4"/>
+          <p:cNvPr id="5" name="Text 2"/>
           <p:cNvSpPr/>
           <p:nvPr/>
         </p:nvSpPr>
         <p:spPr>
           <a:xfrm>
-            <a:off x="12801600" y="7641021"/>
-            <a:ext cx="1828800" cy="588579"/>
-          </a:xfrm>
-          <a:prstGeom prst="rect">
-            <a:avLst/>
-          </a:prstGeom>
-          <a:solidFill>
-            <a:schemeClr val="bg1"/>
-          </a:solidFill>
-          <a:ln>
-            <a:solidFill>
-              <a:schemeClr val="bg1"/>
-            </a:solidFill>
-          </a:ln>
-        </p:spPr>
-        <p:style>
-          <a:lnRef idx="2">
-            <a:schemeClr val="accent1">
-              <a:shade val="50000"/>
-            </a:schemeClr>
-          </a:lnRef>
-          <a:fillRef idx="1">
-            <a:schemeClr val="accent1"/>
-          </a:fillRef>
-          <a:effectRef idx="0">
-            <a:schemeClr val="accent1"/>
-          </a:effectRef>
-          <a:fontRef idx="minor">
-            <a:schemeClr val="lt1"/>
-          </a:fontRef>
-        </p:style>
+            <a:off x="10859572" y="6911697"/>
+            <a:ext cx="2977039" cy="372070"/>
+          </a:xfrm>
+          <a:prstGeom prst="rect">
+            <a:avLst/>
+          </a:prstGeom>
+          <a:noFill/>
+          <a:ln/>
+        </p:spPr>
         <p:txBody>
-          <a:bodyPr rtlCol="0" anchor="ctr"/>
+          <a:bodyPr wrap="none" lIns="0" tIns="0" rIns="0" bIns="0" rtlCol="0" anchor="t"/>
           <a:lstStyle/>
           <a:p>
-            <a:pPr algn="ctr"/>
-            <a:endParaRPr lang="en-US"/>
+            <a:pPr marL="0" indent="0" algn="r">
+              <a:lnSpc>
+                <a:spcPts val="2900"/>
+              </a:lnSpc>
+              <a:buNone/>
+            </a:pPr>
+            <a:r>
+              <a:rPr lang="en-US" sz="2300" dirty="0">
+                <a:solidFill>
+                  <a:srgbClr val="020202"/>
+                </a:solidFill>
+                <a:latin typeface="PT Serif" pitchFamily="34" charset="0"/>
+                <a:ea typeface="PT Serif" pitchFamily="34" charset="-122"/>
+                <a:cs typeface="PT Serif" pitchFamily="34" charset="-120"/>
+              </a:rPr>
+              <a:t>6</a:t>
+            </a:r>
+            <a:endParaRPr lang="en-US" sz="2300" dirty="0"/>
           </a:p>
         </p:txBody>
       </p:sp>
@@ -3581,7 +4553,7 @@
 </file>
 
 <file path=ppt/slides/slide7.xml><?xml version="1.0" encoding="utf-8"?>
-<p:sld xmlns:a="http://schemas.openxmlformats.org/drawingml/2006/main" xmlns:r="http://schemas.openxmlformats.org/officeDocument/2006/relationships" xmlns:p="http://schemas.openxmlformats.org/presentationml/2006/main">
+<p:sld xmlns:a="http://schemas.openxmlformats.org/drawingml/2006/main" xmlns:r="http://schemas.openxmlformats.org/officeDocument/2006/relationships" xmlns:p="http://schemas.openxmlformats.org/presentationml/2006/main" showMasterSp="0">
   <p:cSld name="Slide 7">
     <p:spTree>
       <p:nvGrpSpPr>
@@ -3597,9 +4569,177 @@
           <a:chExt cx="0" cy="0"/>
         </a:xfrm>
       </p:grpSpPr>
+      <p:sp>
+        <p:nvSpPr>
+          <p:cNvPr id="3" name="Text 0"/>
+          <p:cNvSpPr/>
+          <p:nvPr/>
+        </p:nvSpPr>
+        <p:spPr>
+          <a:xfrm>
+            <a:off x="793790" y="2534484"/>
+            <a:ext cx="5954197" cy="744260"/>
+          </a:xfrm>
+          <a:prstGeom prst="rect">
+            <a:avLst/>
+          </a:prstGeom>
+          <a:noFill/>
+          <a:ln/>
+        </p:spPr>
+        <p:txBody>
+          <a:bodyPr wrap="none" lIns="0" tIns="0" rIns="0" bIns="0" rtlCol="0" anchor="t"/>
+          <a:lstStyle/>
+          <a:p>
+            <a:pPr marL="0" indent="0">
+              <a:lnSpc>
+                <a:spcPts val="5850"/>
+              </a:lnSpc>
+              <a:buNone/>
+            </a:pPr>
+            <a:r>
+              <a:rPr lang="en-US" sz="4650" dirty="0">
+                <a:solidFill>
+                  <a:srgbClr val="020202"/>
+                </a:solidFill>
+                <a:latin typeface="PT Serif" pitchFamily="34" charset="0"/>
+                <a:ea typeface="PT Serif" pitchFamily="34" charset="-122"/>
+                <a:cs typeface="PT Serif" pitchFamily="34" charset="-120"/>
+              </a:rPr>
+              <a:t>Задача 2</a:t>
+            </a:r>
+            <a:endParaRPr lang="en-US" sz="4650" dirty="0"/>
+          </a:p>
+        </p:txBody>
+      </p:sp>
+      <p:sp>
+        <p:nvSpPr>
+          <p:cNvPr id="4" name="Text 1"/>
+          <p:cNvSpPr/>
+          <p:nvPr/>
+        </p:nvSpPr>
+        <p:spPr>
+          <a:xfrm>
+            <a:off x="793790" y="3646823"/>
+            <a:ext cx="13042821" cy="1451610"/>
+          </a:xfrm>
+          <a:prstGeom prst="rect">
+            <a:avLst/>
+          </a:prstGeom>
+          <a:noFill/>
+          <a:ln/>
+        </p:spPr>
+        <p:txBody>
+          <a:bodyPr wrap="square" lIns="0" tIns="0" rIns="0" bIns="0" rtlCol="0" anchor="t"/>
+          <a:lstStyle/>
+          <a:p>
+            <a:pPr marL="0" indent="0">
+              <a:lnSpc>
+                <a:spcPts val="2850"/>
+              </a:lnSpc>
+              <a:buNone/>
+            </a:pPr>
+            <a:r>
+              <a:rPr lang="en-US" sz="2200" dirty="0">
+                <a:solidFill>
+                  <a:srgbClr val="383838"/>
+                </a:solidFill>
+                <a:latin typeface="DM Sans" pitchFamily="34" charset="0"/>
+                <a:ea typeface="DM Sans" pitchFamily="34" charset="-122"/>
+                <a:cs typeface="DM Sans" pitchFamily="34" charset="-120"/>
+              </a:rPr>
+              <a:t>Проведя теоретическое исследование было выдвинуто предположение о возможности использования классического алгоритма Флойда-Уоршелла. Однако данный алгоритм является асимптотически не выгодным и его использование и дальнейшая модификация под условия задачи </a:t>
+            </a:r>
+            <a:r>
+              <a:rPr lang="en-US" sz="2200" dirty="0" err="1">
+                <a:solidFill>
+                  <a:srgbClr val="383838"/>
+                </a:solidFill>
+                <a:latin typeface="DM Sans" pitchFamily="34" charset="0"/>
+                <a:ea typeface="DM Sans" pitchFamily="34" charset="-122"/>
+                <a:cs typeface="DM Sans" pitchFamily="34" charset="-120"/>
+              </a:rPr>
+              <a:t>являются</a:t>
+            </a:r>
+            <a:r>
+              <a:rPr lang="en-US" sz="2200" dirty="0">
+                <a:solidFill>
+                  <a:srgbClr val="383838"/>
+                </a:solidFill>
+                <a:latin typeface="DM Sans" pitchFamily="34" charset="0"/>
+                <a:ea typeface="DM Sans" pitchFamily="34" charset="-122"/>
+                <a:cs typeface="DM Sans" pitchFamily="34" charset="-120"/>
+              </a:rPr>
+              <a:t> </a:t>
+            </a:r>
+            <a:r>
+              <a:rPr lang="en-US" sz="2200" dirty="0" err="1" smtClean="0">
+                <a:solidFill>
+                  <a:srgbClr val="383838"/>
+                </a:solidFill>
+                <a:latin typeface="DM Sans" pitchFamily="34" charset="0"/>
+                <a:ea typeface="DM Sans" pitchFamily="34" charset="-122"/>
+                <a:cs typeface="DM Sans" pitchFamily="34" charset="-120"/>
+              </a:rPr>
+              <a:t>нецелесообразными</a:t>
+            </a:r>
+            <a:r>
+              <a:rPr lang="en-US" sz="2200" dirty="0" smtClean="0">
+                <a:solidFill>
+                  <a:srgbClr val="383838"/>
+                </a:solidFill>
+                <a:latin typeface="DM Sans" pitchFamily="34" charset="0"/>
+                <a:ea typeface="DM Sans" pitchFamily="34" charset="-122"/>
+                <a:cs typeface="DM Sans" pitchFamily="34" charset="-120"/>
+              </a:rPr>
+              <a:t>.</a:t>
+            </a:r>
+            <a:endParaRPr lang="en-US" sz="2200" dirty="0"/>
+          </a:p>
+        </p:txBody>
+      </p:sp>
+      <p:sp>
+        <p:nvSpPr>
+          <p:cNvPr id="9" name="Text 2"/>
+          <p:cNvSpPr/>
+          <p:nvPr/>
+        </p:nvSpPr>
+        <p:spPr>
+          <a:xfrm>
+            <a:off x="10859572" y="7058144"/>
+            <a:ext cx="2977039" cy="372070"/>
+          </a:xfrm>
+          <a:prstGeom prst="rect">
+            <a:avLst/>
+          </a:prstGeom>
+          <a:noFill/>
+          <a:ln/>
+        </p:spPr>
+        <p:txBody>
+          <a:bodyPr wrap="none" lIns="0" tIns="0" rIns="0" bIns="0" rtlCol="0" anchor="t"/>
+          <a:lstStyle/>
+          <a:p>
+            <a:pPr marL="0" indent="0" algn="r">
+              <a:lnSpc>
+                <a:spcPts val="2900"/>
+              </a:lnSpc>
+              <a:buNone/>
+            </a:pPr>
+            <a:r>
+              <a:rPr lang="ru-RU" sz="2300" dirty="0">
+                <a:solidFill>
+                  <a:srgbClr val="020202"/>
+                </a:solidFill>
+                <a:latin typeface="PT Serif" pitchFamily="34" charset="0"/>
+              </a:rPr>
+              <a:t>7</a:t>
+            </a:r>
+            <a:endParaRPr lang="en-US" sz="2300" dirty="0"/>
+          </a:p>
+        </p:txBody>
+      </p:sp>
       <p:pic>
         <p:nvPicPr>
-          <p:cNvPr id="2" name="Image 0" descr="preencoded.png"/>
+          <p:cNvPr id="10" name="Image 0" descr="preencoded.png"/>
           <p:cNvPicPr>
             <a:picLocks noChangeAspect="1"/>
           </p:cNvPicPr>
@@ -3613,146 +4753,14 @@
         </p:blipFill>
         <p:spPr>
           <a:xfrm>
-            <a:off x="793790" y="2516148"/>
-            <a:ext cx="1512094" cy="1409700"/>
+            <a:off x="793790" y="686221"/>
+            <a:ext cx="1587698" cy="1480185"/>
           </a:xfrm>
           <a:prstGeom prst="rect">
             <a:avLst/>
           </a:prstGeom>
         </p:spPr>
       </p:pic>
-      <p:sp>
-        <p:nvSpPr>
-          <p:cNvPr id="3" name="Text 0"/>
-          <p:cNvSpPr/>
-          <p:nvPr/>
-        </p:nvSpPr>
-        <p:spPr>
-          <a:xfrm>
-            <a:off x="793790" y="4266009"/>
-            <a:ext cx="5954197" cy="744260"/>
-          </a:xfrm>
-          <a:prstGeom prst="rect">
-            <a:avLst/>
-          </a:prstGeom>
-          <a:noFill/>
-          <a:ln/>
-        </p:spPr>
-        <p:txBody>
-          <a:bodyPr wrap="none" lIns="0" tIns="0" rIns="0" bIns="0" rtlCol="0" anchor="t"/>
-          <a:lstStyle/>
-          <a:p>
-            <a:pPr marL="0" indent="0">
-              <a:lnSpc>
-                <a:spcPts val="5850"/>
-              </a:lnSpc>
-              <a:buNone/>
-            </a:pPr>
-            <a:r>
-              <a:rPr lang="en-US" sz="4650" dirty="0">
-                <a:solidFill>
-                  <a:srgbClr val="020202"/>
-                </a:solidFill>
-                <a:latin typeface="PT Serif" pitchFamily="34" charset="0"/>
-                <a:ea typeface="PT Serif" pitchFamily="34" charset="-122"/>
-                <a:cs typeface="PT Serif" pitchFamily="34" charset="-120"/>
-              </a:rPr>
-              <a:t>Задача 2</a:t>
-            </a:r>
-            <a:endParaRPr lang="en-US" sz="4650" dirty="0"/>
-          </a:p>
-        </p:txBody>
-      </p:sp>
-      <p:sp>
-        <p:nvSpPr>
-          <p:cNvPr id="4" name="Text 1"/>
-          <p:cNvSpPr/>
-          <p:nvPr/>
-        </p:nvSpPr>
-        <p:spPr>
-          <a:xfrm>
-            <a:off x="793790" y="5350431"/>
-            <a:ext cx="13042821" cy="362903"/>
-          </a:xfrm>
-          <a:prstGeom prst="rect">
-            <a:avLst/>
-          </a:prstGeom>
-          <a:noFill/>
-          <a:ln/>
-        </p:spPr>
-        <p:txBody>
-          <a:bodyPr wrap="none" lIns="0" tIns="0" rIns="0" bIns="0" rtlCol="0" anchor="t"/>
-          <a:lstStyle/>
-          <a:p>
-            <a:pPr marL="0" indent="0">
-              <a:lnSpc>
-                <a:spcPts val="2850"/>
-              </a:lnSpc>
-              <a:buNone/>
-            </a:pPr>
-            <a:r>
-              <a:rPr lang="en-US" sz="1750" dirty="0">
-                <a:solidFill>
-                  <a:srgbClr val="383838"/>
-                </a:solidFill>
-                <a:latin typeface="DM Sans" pitchFamily="34" charset="0"/>
-                <a:ea typeface="DM Sans" pitchFamily="34" charset="-122"/>
-                <a:cs typeface="DM Sans" pitchFamily="34" charset="-120"/>
-              </a:rPr>
-              <a:t>(Work in progress)</a:t>
-            </a:r>
-            <a:endParaRPr lang="en-US" sz="1750" dirty="0"/>
-          </a:p>
-        </p:txBody>
-      </p:sp>
-      <p:sp>
-        <p:nvSpPr>
-          <p:cNvPr id="5" name="Прямоугольник 4"/>
-          <p:cNvSpPr/>
-          <p:nvPr/>
-        </p:nvSpPr>
-        <p:spPr>
-          <a:xfrm>
-            <a:off x="12622924" y="7189076"/>
-            <a:ext cx="2007476" cy="1040524"/>
-          </a:xfrm>
-          <a:prstGeom prst="rect">
-            <a:avLst/>
-          </a:prstGeom>
-          <a:solidFill>
-            <a:schemeClr val="bg1"/>
-          </a:solidFill>
-          <a:ln>
-            <a:solidFill>
-              <a:schemeClr val="bg1"/>
-            </a:solidFill>
-          </a:ln>
-        </p:spPr>
-        <p:style>
-          <a:lnRef idx="2">
-            <a:schemeClr val="accent1">
-              <a:shade val="50000"/>
-            </a:schemeClr>
-          </a:lnRef>
-          <a:fillRef idx="1">
-            <a:schemeClr val="accent1"/>
-          </a:fillRef>
-          <a:effectRef idx="0">
-            <a:schemeClr val="accent1"/>
-          </a:effectRef>
-          <a:fontRef idx="minor">
-            <a:schemeClr val="lt1"/>
-          </a:fontRef>
-        </p:style>
-        <p:txBody>
-          <a:bodyPr rtlCol="0" anchor="ctr"/>
-          <a:lstStyle/>
-          <a:p>
-            <a:pPr algn="ctr"/>
-            <a:endParaRPr lang="en-US"/>
-          </a:p>
-        </p:txBody>
-      </p:sp>
     </p:spTree>
   </p:cSld>
   <p:clrMapOvr>
@@ -3762,7 +4770,7 @@
 </file>
 
 <file path=ppt/slides/slide8.xml><?xml version="1.0" encoding="utf-8"?>
-<p:sld xmlns:a="http://schemas.openxmlformats.org/drawingml/2006/main" xmlns:r="http://schemas.openxmlformats.org/officeDocument/2006/relationships" xmlns:p="http://schemas.openxmlformats.org/presentationml/2006/main">
+<p:sld xmlns:a="http://schemas.openxmlformats.org/drawingml/2006/main" xmlns:r="http://schemas.openxmlformats.org/officeDocument/2006/relationships" xmlns:p="http://schemas.openxmlformats.org/presentationml/2006/main" showMasterSp="0">
   <p:cSld name="Slide 8">
     <p:spTree>
       <p:nvGrpSpPr>
@@ -3802,9 +4810,135 @@
           </a:prstGeom>
         </p:spPr>
       </p:pic>
+      <p:sp>
+        <p:nvSpPr>
+          <p:cNvPr id="4" name="Text 0"/>
+          <p:cNvSpPr/>
+          <p:nvPr/>
+        </p:nvSpPr>
+        <p:spPr>
+          <a:xfrm>
+            <a:off x="793790" y="2639735"/>
+            <a:ext cx="5954197" cy="744260"/>
+          </a:xfrm>
+          <a:prstGeom prst="rect">
+            <a:avLst/>
+          </a:prstGeom>
+          <a:noFill/>
+          <a:ln/>
+        </p:spPr>
+        <p:txBody>
+          <a:bodyPr wrap="none" lIns="0" tIns="0" rIns="0" bIns="0" rtlCol="0" anchor="t"/>
+          <a:lstStyle/>
+          <a:p>
+            <a:pPr marL="0" indent="0">
+              <a:lnSpc>
+                <a:spcPts val="5850"/>
+              </a:lnSpc>
+              <a:buNone/>
+            </a:pPr>
+            <a:r>
+              <a:rPr lang="en-US" sz="4650" dirty="0">
+                <a:solidFill>
+                  <a:srgbClr val="020202"/>
+                </a:solidFill>
+                <a:latin typeface="PT Serif" pitchFamily="34" charset="0"/>
+                <a:ea typeface="PT Serif" pitchFamily="34" charset="-122"/>
+                <a:cs typeface="PT Serif" pitchFamily="34" charset="-120"/>
+              </a:rPr>
+              <a:t>Задача 3</a:t>
+            </a:r>
+            <a:endParaRPr lang="en-US" sz="4650" dirty="0"/>
+          </a:p>
+        </p:txBody>
+      </p:sp>
+      <p:sp>
+        <p:nvSpPr>
+          <p:cNvPr id="5" name="Text 1"/>
+          <p:cNvSpPr/>
+          <p:nvPr/>
+        </p:nvSpPr>
+        <p:spPr>
+          <a:xfrm>
+            <a:off x="793790" y="3724156"/>
+            <a:ext cx="7556421" cy="2903220"/>
+          </a:xfrm>
+          <a:prstGeom prst="rect">
+            <a:avLst/>
+          </a:prstGeom>
+          <a:noFill/>
+          <a:ln/>
+        </p:spPr>
+        <p:txBody>
+          <a:bodyPr wrap="square" lIns="0" tIns="0" rIns="0" bIns="0" rtlCol="0" anchor="t"/>
+          <a:lstStyle/>
+          <a:p>
+            <a:pPr marL="0" indent="0">
+              <a:lnSpc>
+                <a:spcPts val="2850"/>
+              </a:lnSpc>
+              <a:buNone/>
+            </a:pPr>
+            <a:r>
+              <a:rPr lang="en-US" sz="1750" dirty="0">
+                <a:solidFill>
+                  <a:srgbClr val="383838"/>
+                </a:solidFill>
+                <a:latin typeface="DM Sans" pitchFamily="34" charset="0"/>
+                <a:ea typeface="DM Sans" pitchFamily="34" charset="-122"/>
+                <a:cs typeface="DM Sans" pitchFamily="34" charset="-120"/>
+              </a:rPr>
+              <a:t>В качестве средства выполнения данной задачи было принято решение использовать классический подход с использованием фреймворка tensorflow на плотформе colab от Google с использованием библиотеки pandas. Данный подход с разработанным нами решением позхволяет определять является ли отзыв положительным или отрицательным с точностью в 70%. Так же мы ведём разработку квантового варианта решения данной задачи.</a:t>
+            </a:r>
+            <a:endParaRPr lang="en-US" sz="1750" dirty="0"/>
+          </a:p>
+        </p:txBody>
+      </p:sp>
+      <p:sp>
+        <p:nvSpPr>
+          <p:cNvPr id="6" name="Text 2"/>
+          <p:cNvSpPr/>
+          <p:nvPr/>
+        </p:nvSpPr>
+        <p:spPr>
+          <a:xfrm>
+            <a:off x="793790" y="6967538"/>
+            <a:ext cx="2977039" cy="372070"/>
+          </a:xfrm>
+          <a:prstGeom prst="rect">
+            <a:avLst/>
+          </a:prstGeom>
+          <a:noFill/>
+          <a:ln/>
+        </p:spPr>
+        <p:txBody>
+          <a:bodyPr wrap="none" lIns="0" tIns="0" rIns="0" bIns="0" rtlCol="0" anchor="t"/>
+          <a:lstStyle/>
+          <a:p>
+            <a:pPr marL="0" indent="0" algn="l">
+              <a:lnSpc>
+                <a:spcPts val="2900"/>
+              </a:lnSpc>
+              <a:buNone/>
+            </a:pPr>
+            <a:r>
+              <a:rPr lang="en-US" sz="2300" dirty="0">
+                <a:solidFill>
+                  <a:srgbClr val="020202"/>
+                </a:solidFill>
+                <a:latin typeface="PT Serif" pitchFamily="34" charset="0"/>
+                <a:ea typeface="PT Serif" pitchFamily="34" charset="-122"/>
+                <a:cs typeface="PT Serif" pitchFamily="34" charset="-120"/>
+              </a:rPr>
+              <a:t>8</a:t>
+            </a:r>
+            <a:endParaRPr lang="en-US" sz="2300" dirty="0"/>
+          </a:p>
+        </p:txBody>
+      </p:sp>
       <p:pic>
         <p:nvPicPr>
-          <p:cNvPr id="3" name="Image 1" descr="preencoded.png"/>
+          <p:cNvPr id="7" name="Image 0" descr="preencoded.png"/>
           <p:cNvPicPr>
             <a:picLocks noChangeAspect="1"/>
           </p:cNvPicPr>
@@ -3818,98 +4952,14 @@
         </p:blipFill>
         <p:spPr>
           <a:xfrm>
-            <a:off x="793790" y="2516148"/>
-            <a:ext cx="1512094" cy="1409700"/>
+            <a:off x="793790" y="686221"/>
+            <a:ext cx="1587698" cy="1480185"/>
           </a:xfrm>
           <a:prstGeom prst="rect">
             <a:avLst/>
           </a:prstGeom>
         </p:spPr>
       </p:pic>
-      <p:sp>
-        <p:nvSpPr>
-          <p:cNvPr id="4" name="Text 0"/>
-          <p:cNvSpPr/>
-          <p:nvPr/>
-        </p:nvSpPr>
-        <p:spPr>
-          <a:xfrm>
-            <a:off x="793790" y="4266009"/>
-            <a:ext cx="5954197" cy="744260"/>
-          </a:xfrm>
-          <a:prstGeom prst="rect">
-            <a:avLst/>
-          </a:prstGeom>
-          <a:noFill/>
-          <a:ln/>
-        </p:spPr>
-        <p:txBody>
-          <a:bodyPr wrap="none" lIns="0" tIns="0" rIns="0" bIns="0" rtlCol="0" anchor="t"/>
-          <a:lstStyle/>
-          <a:p>
-            <a:pPr marL="0" indent="0">
-              <a:lnSpc>
-                <a:spcPts val="5850"/>
-              </a:lnSpc>
-              <a:buNone/>
-            </a:pPr>
-            <a:r>
-              <a:rPr lang="en-US" sz="4650" dirty="0">
-                <a:solidFill>
-                  <a:srgbClr val="020202"/>
-                </a:solidFill>
-                <a:latin typeface="PT Serif" pitchFamily="34" charset="0"/>
-                <a:ea typeface="PT Serif" pitchFamily="34" charset="-122"/>
-                <a:cs typeface="PT Serif" pitchFamily="34" charset="-120"/>
-              </a:rPr>
-              <a:t>Задача 3</a:t>
-            </a:r>
-            <a:endParaRPr lang="en-US" sz="4650" dirty="0"/>
-          </a:p>
-        </p:txBody>
-      </p:sp>
-      <p:sp>
-        <p:nvSpPr>
-          <p:cNvPr id="5" name="Text 1"/>
-          <p:cNvSpPr/>
-          <p:nvPr/>
-        </p:nvSpPr>
-        <p:spPr>
-          <a:xfrm>
-            <a:off x="793790" y="5350431"/>
-            <a:ext cx="7556421" cy="362903"/>
-          </a:xfrm>
-          <a:prstGeom prst="rect">
-            <a:avLst/>
-          </a:prstGeom>
-          <a:noFill/>
-          <a:ln/>
-        </p:spPr>
-        <p:txBody>
-          <a:bodyPr wrap="none" lIns="0" tIns="0" rIns="0" bIns="0" rtlCol="0" anchor="t"/>
-          <a:lstStyle/>
-          <a:p>
-            <a:pPr marL="0" indent="0">
-              <a:lnSpc>
-                <a:spcPts val="2850"/>
-              </a:lnSpc>
-              <a:buNone/>
-            </a:pPr>
-            <a:r>
-              <a:rPr lang="en-US" sz="1750" dirty="0">
-                <a:solidFill>
-                  <a:srgbClr val="383838"/>
-                </a:solidFill>
-                <a:latin typeface="DM Sans" pitchFamily="34" charset="0"/>
-                <a:ea typeface="DM Sans" pitchFamily="34" charset="-122"/>
-                <a:cs typeface="DM Sans" pitchFamily="34" charset="-120"/>
-              </a:rPr>
-              <a:t>(Work in progress)</a:t>
-            </a:r>
-            <a:endParaRPr lang="en-US" sz="1750" dirty="0"/>
-          </a:p>
-        </p:txBody>
-      </p:sp>
     </p:spTree>
   </p:cSld>
   <p:clrMapOvr>
@@ -3919,7 +4969,7 @@
 </file>
 
 <file path=ppt/slides/slide9.xml><?xml version="1.0" encoding="utf-8"?>
-<p:sld xmlns:a="http://schemas.openxmlformats.org/drawingml/2006/main" xmlns:r="http://schemas.openxmlformats.org/officeDocument/2006/relationships" xmlns:p="http://schemas.openxmlformats.org/presentationml/2006/main">
+<p:sld xmlns:a="http://schemas.openxmlformats.org/drawingml/2006/main" xmlns:r="http://schemas.openxmlformats.org/officeDocument/2006/relationships" xmlns:p="http://schemas.openxmlformats.org/presentationml/2006/main" showMasterSp="0">
   <p:cSld name="Slide 9">
     <p:spTree>
       <p:nvGrpSpPr>
@@ -3935,9 +4985,82 @@
           <a:chExt cx="0" cy="0"/>
         </a:xfrm>
       </p:grpSpPr>
+      <p:sp>
+        <p:nvSpPr>
+          <p:cNvPr id="2" name="Text 0"/>
+          <p:cNvSpPr/>
+          <p:nvPr/>
+        </p:nvSpPr>
+        <p:spPr>
+          <a:xfrm>
+            <a:off x="549354" y="573762"/>
+            <a:ext cx="11444407" cy="250984"/>
+          </a:xfrm>
+          <a:prstGeom prst="rect">
+            <a:avLst/>
+          </a:prstGeom>
+          <a:noFill/>
+          <a:ln/>
+        </p:spPr>
+        <p:txBody>
+          <a:bodyPr wrap="none" lIns="0" tIns="0" rIns="0" bIns="0" rtlCol="0" anchor="t"/>
+          <a:lstStyle/>
+          <a:p>
+            <a:pPr marL="0" indent="0">
+              <a:lnSpc>
+                <a:spcPts val="1950"/>
+              </a:lnSpc>
+              <a:buNone/>
+            </a:pPr>
+            <a:endParaRPr lang="en-US" sz="1200" dirty="0"/>
+          </a:p>
+        </p:txBody>
+      </p:sp>
+      <p:sp>
+        <p:nvSpPr>
+          <p:cNvPr id="3" name="Text 1"/>
+          <p:cNvSpPr/>
+          <p:nvPr/>
+        </p:nvSpPr>
+        <p:spPr>
+          <a:xfrm>
+            <a:off x="549354" y="981670"/>
+            <a:ext cx="5278517" cy="515064"/>
+          </a:xfrm>
+          <a:prstGeom prst="rect">
+            <a:avLst/>
+          </a:prstGeom>
+          <a:noFill/>
+          <a:ln/>
+        </p:spPr>
+        <p:txBody>
+          <a:bodyPr wrap="none" lIns="0" tIns="0" rIns="0" bIns="0" rtlCol="0" anchor="t"/>
+          <a:lstStyle/>
+          <a:p>
+            <a:pPr marL="0" indent="0" algn="l">
+              <a:lnSpc>
+                <a:spcPts val="4050"/>
+              </a:lnSpc>
+              <a:buNone/>
+            </a:pPr>
+            <a:r>
+              <a:rPr lang="en-US" sz="3200" dirty="0">
+                <a:solidFill>
+                  <a:srgbClr val="020202"/>
+                </a:solidFill>
+                <a:latin typeface="PT Serif" pitchFamily="34" charset="0"/>
+                <a:ea typeface="PT Serif" pitchFamily="34" charset="-122"/>
+                <a:cs typeface="PT Serif" pitchFamily="34" charset="-120"/>
+              </a:rPr>
+              <a:t>Результаты тренировки ИИ</a:t>
+            </a:r>
+            <a:endParaRPr lang="en-US" sz="3200" dirty="0"/>
+          </a:p>
+        </p:txBody>
+      </p:sp>
       <p:pic>
         <p:nvPicPr>
-          <p:cNvPr id="2" name="Image 0" descr="preencoded.png"/>
+          <p:cNvPr id="4" name="Image 0" descr="preencoded.png"/>
           <p:cNvPicPr>
             <a:picLocks noChangeAspect="1"/>
           </p:cNvPicPr>
@@ -3951,24 +5074,48 @@
         </p:blipFill>
         <p:spPr>
           <a:xfrm>
-            <a:off x="12248912" y="2832497"/>
-            <a:ext cx="1587698" cy="1480185"/>
+            <a:off x="12384286" y="609124"/>
+            <a:ext cx="1046440" cy="975598"/>
           </a:xfrm>
           <a:prstGeom prst="rect">
             <a:avLst/>
           </a:prstGeom>
         </p:spPr>
       </p:pic>
-      <p:sp>
-        <p:nvSpPr>
-          <p:cNvPr id="3" name="Text 0"/>
+      <p:pic>
+        <p:nvPicPr>
+          <p:cNvPr id="5" name="Image 1" descr="preencoded.png"/>
+          <p:cNvPicPr>
+            <a:picLocks noChangeAspect="1"/>
+          </p:cNvPicPr>
+          <p:nvPr/>
+        </p:nvPicPr>
+        <p:blipFill>
+          <a:blip r:embed="rId4"/>
+          <a:stretch>
+            <a:fillRect/>
+          </a:stretch>
+        </p:blipFill>
+        <p:spPr>
+          <a:xfrm>
+            <a:off x="2173248" y="1937861"/>
+            <a:ext cx="9820513" cy="5366385"/>
+          </a:xfrm>
+          <a:prstGeom prst="rect">
+            <a:avLst/>
+          </a:prstGeom>
+        </p:spPr>
+      </p:pic>
+      <p:sp>
+        <p:nvSpPr>
+          <p:cNvPr id="7" name="Text 2"/>
           <p:cNvSpPr/>
           <p:nvPr/>
         </p:nvSpPr>
         <p:spPr>
           <a:xfrm>
-            <a:off x="793790" y="4652843"/>
-            <a:ext cx="5954197" cy="744260"/>
+            <a:off x="10859572" y="7058144"/>
+            <a:ext cx="2977039" cy="372070"/>
           </a:xfrm>
           <a:prstGeom prst="rect">
             <a:avLst/>
@@ -3980,205 +5127,24 @@
           <a:bodyPr wrap="none" lIns="0" tIns="0" rIns="0" bIns="0" rtlCol="0" anchor="t"/>
           <a:lstStyle/>
           <a:p>
-            <a:pPr marL="0" indent="0">
+            <a:pPr marL="0" indent="0" algn="r">
               <a:lnSpc>
-                <a:spcPts val="5850"/>
+                <a:spcPts val="2900"/>
               </a:lnSpc>
               <a:buNone/>
             </a:pPr>
-            <a:endParaRPr lang="en-US" sz="4650" dirty="0"/>
-          </a:p>
-        </p:txBody>
-      </p:sp>
-      <p:sp>
-        <p:nvSpPr>
-          <p:cNvPr id="4" name="Прямоугольник 3"/>
-          <p:cNvSpPr/>
-          <p:nvPr/>
-        </p:nvSpPr>
-        <p:spPr>
-          <a:xfrm>
-            <a:off x="12370676" y="7409793"/>
-            <a:ext cx="2259724" cy="819807"/>
-          </a:xfrm>
-          <a:prstGeom prst="rect">
-            <a:avLst/>
-          </a:prstGeom>
-          <a:solidFill>
-            <a:schemeClr val="bg1"/>
-          </a:solidFill>
-          <a:ln>
-            <a:solidFill>
-              <a:schemeClr val="bg1"/>
-            </a:solidFill>
-          </a:ln>
-        </p:spPr>
-        <p:style>
-          <a:lnRef idx="2">
-            <a:schemeClr val="accent1">
-              <a:shade val="50000"/>
-            </a:schemeClr>
-          </a:lnRef>
-          <a:fillRef idx="1">
-            <a:schemeClr val="accent1"/>
-          </a:fillRef>
-          <a:effectRef idx="0">
-            <a:schemeClr val="accent1"/>
-          </a:effectRef>
-          <a:fontRef idx="minor">
-            <a:schemeClr val="lt1"/>
-          </a:fontRef>
-        </p:style>
-        <p:txBody>
-          <a:bodyPr rtlCol="0" anchor="ctr"/>
-          <a:lstStyle/>
-          <a:p>
-            <a:pPr algn="ctr"/>
-            <a:endParaRPr lang="en-US"/>
-          </a:p>
-        </p:txBody>
-      </p:sp>
-      <p:sp>
-        <p:nvSpPr>
-          <p:cNvPr id="5" name="Прямоугольник 4"/>
-          <p:cNvSpPr/>
-          <p:nvPr/>
-        </p:nvSpPr>
-        <p:spPr>
-          <a:xfrm>
-            <a:off x="3178777" y="3389352"/>
-            <a:ext cx="7411003" cy="923330"/>
-          </a:xfrm>
-          <a:prstGeom prst="rect">
-            <a:avLst/>
-          </a:prstGeom>
-          <a:noFill/>
-        </p:spPr>
-        <p:txBody>
-          <a:bodyPr wrap="none" lIns="91440" tIns="45720" rIns="91440" bIns="45720">
-            <a:spAutoFit/>
-          </a:bodyPr>
-          <a:lstStyle/>
-          <a:p>
-            <a:pPr algn="ctr"/>
-            <a:r>
-              <a:rPr lang="ru-RU" sz="5400" dirty="0" smtClean="0">
-                <a:ln w="0"/>
-                <a:effectLst>
-                  <a:outerShdw blurRad="38100" dist="19050" dir="2700000" algn="tl" rotWithShape="0">
-                    <a:schemeClr val="dk1">
-                      <a:alpha val="40000"/>
-                    </a:schemeClr>
-                  </a:outerShdw>
-                </a:effectLst>
-                <a:latin typeface="PT Serif" panose="020B0604020202020204" charset="0"/>
-              </a:rPr>
-              <a:t>Спасибо за внимание!</a:t>
-            </a:r>
-            <a:endParaRPr lang="ru-RU" sz="5400" b="0" cap="none" spc="0" dirty="0">
-              <a:ln w="0"/>
-              <a:solidFill>
-                <a:schemeClr val="tx1"/>
-              </a:solidFill>
-              <a:effectLst>
-                <a:outerShdw blurRad="38100" dist="19050" dir="2700000" algn="tl" rotWithShape="0">
-                  <a:schemeClr val="dk1">
-                    <a:alpha val="40000"/>
-                  </a:schemeClr>
-                </a:outerShdw>
-              </a:effectLst>
-              <a:latin typeface="PT Serif" panose="020B0604020202020204" charset="0"/>
-            </a:endParaRPr>
-          </a:p>
-        </p:txBody>
-      </p:sp>
-      <p:sp>
-        <p:nvSpPr>
-          <p:cNvPr id="6" name="Прямоугольник 5"/>
-          <p:cNvSpPr/>
-          <p:nvPr/>
-        </p:nvSpPr>
-        <p:spPr>
-          <a:xfrm>
-            <a:off x="1309144" y="5737264"/>
-            <a:ext cx="12159098" cy="1323439"/>
-          </a:xfrm>
-          <a:prstGeom prst="rect">
-            <a:avLst/>
-          </a:prstGeom>
-          <a:noFill/>
-        </p:spPr>
-        <p:txBody>
-          <a:bodyPr wrap="none" lIns="91440" tIns="45720" rIns="91440" bIns="45720">
-            <a:spAutoFit/>
-          </a:bodyPr>
-          <a:lstStyle/>
-          <a:p>
-            <a:pPr algn="r"/>
-            <a:r>
-              <a:rPr lang="ru-RU" sz="4000" b="0" i="1" cap="none" spc="0" dirty="0" smtClean="0">
-                <a:ln w="0"/>
-                <a:solidFill>
-                  <a:schemeClr val="tx1"/>
-                </a:solidFill>
-                <a:effectLst>
-                  <a:outerShdw blurRad="38100" dist="19050" dir="2700000" algn="tl" rotWithShape="0">
-                    <a:schemeClr val="dk1">
-                      <a:alpha val="40000"/>
-                    </a:schemeClr>
-                  </a:outerShdw>
-                </a:effectLst>
-                <a:latin typeface="PT Serif" panose="020B0604020202020204" charset="0"/>
-              </a:rPr>
-              <a:t>«Бери ношу по себе, чтобы не падать при ходьбе»</a:t>
-            </a:r>
-            <a:br>
-              <a:rPr lang="ru-RU" sz="4000" b="0" i="1" cap="none" spc="0" dirty="0" smtClean="0">
-                <a:ln w="0"/>
-                <a:solidFill>
-                  <a:schemeClr val="tx1"/>
-                </a:solidFill>
-                <a:effectLst>
-                  <a:outerShdw blurRad="38100" dist="19050" dir="2700000" algn="tl" rotWithShape="0">
-                    <a:schemeClr val="dk1">
-                      <a:alpha val="40000"/>
-                    </a:schemeClr>
-                  </a:outerShdw>
-                </a:effectLst>
-                <a:latin typeface="PT Serif" panose="020B0604020202020204" charset="0"/>
-              </a:rPr>
-            </a:br>
-            <a:r>
-              <a:rPr lang="ru-RU" sz="4000" b="0" i="1" cap="none" spc="0" dirty="0" smtClean="0">
-                <a:ln w="0"/>
-                <a:solidFill>
-                  <a:schemeClr val="tx1"/>
-                </a:solidFill>
-                <a:effectLst>
-                  <a:outerShdw blurRad="38100" dist="19050" dir="2700000" algn="tl" rotWithShape="0">
-                    <a:schemeClr val="dk1">
-                      <a:alpha val="40000"/>
-                    </a:schemeClr>
-                  </a:outerShdw>
-                </a:effectLst>
-                <a:latin typeface="PT Serif" panose="020B0604020202020204" charset="0"/>
-              </a:rPr>
-              <a:t>Круглый, фильм «Брат»</a:t>
-            </a:r>
-            <a:endParaRPr lang="ru-RU" sz="4000" b="0" i="1" cap="none" spc="0" dirty="0">
-              <a:ln w="0"/>
-              <a:solidFill>
-                <a:schemeClr val="tx1"/>
-              </a:solidFill>
-              <a:effectLst>
-                <a:outerShdw blurRad="38100" dist="19050" dir="2700000" algn="tl" rotWithShape="0">
-                  <a:schemeClr val="dk1">
-                    <a:alpha val="40000"/>
-                  </a:schemeClr>
-                </a:outerShdw>
-              </a:effectLst>
-              <a:latin typeface="PT Serif" panose="020B0604020202020204" charset="0"/>
-            </a:endParaRPr>
+            <a:r>
+              <a:rPr lang="ru-RU" sz="2300" dirty="0" smtClean="0">
+                <a:solidFill>
+                  <a:srgbClr val="020202"/>
+                </a:solidFill>
+                <a:latin typeface="PT Serif" pitchFamily="34" charset="0"/>
+                <a:ea typeface="PT Serif" pitchFamily="34" charset="-122"/>
+                <a:cs typeface="PT Serif" pitchFamily="34" charset="-120"/>
+              </a:rPr>
+              <a:t>9</a:t>
+            </a:r>
+            <a:endParaRPr lang="en-US" sz="2300" dirty="0"/>
           </a:p>
         </p:txBody>
       </p:sp>

--- a/18 команда. Презентация.pptx
+++ b/18 команда. Презентация.pptx
@@ -24,19 +24,19 @@
   <p:notesSz cx="8229600" cy="14630400"/>
   <p:embeddedFontLst>
     <p:embeddedFont>
-      <p:font typeface="Calibri" panose="020F0502020204030204" pitchFamily="34" charset="0"/>
+      <p:font typeface="DM Sans" charset="0"/>
       <p:regular r:id="rId14"/>
-      <p:bold r:id="rId15"/>
-      <p:italic r:id="rId16"/>
-      <p:boldItalic r:id="rId17"/>
     </p:embeddedFont>
     <p:embeddedFont>
-      <p:font typeface="PT Serif" panose="020B0604020202020204" charset="0"/>
-      <p:regular r:id="rId18"/>
+      <p:font typeface="PT Serif" charset="-52"/>
+      <p:regular r:id="rId15"/>
     </p:embeddedFont>
     <p:embeddedFont>
-      <p:font typeface="DM Sans" panose="020B0604020202020204" charset="0"/>
-      <p:regular r:id="rId19"/>
+      <p:font typeface="Calibri" pitchFamily="34" charset="0"/>
+      <p:regular r:id="rId16"/>
+      <p:bold r:id="rId17"/>
+      <p:italic r:id="rId18"/>
+      <p:boldItalic r:id="rId19"/>
     </p:embeddedFont>
   </p:embeddedFontLst>
   <p:defaultTextStyle>
@@ -136,7 +136,7 @@
   </p:defaultTextStyle>
   <p:extLst>
     <p:ext uri="{EFAFB233-063F-42B5-8137-9DF3F51BA10A}">
-      <p15:sldGuideLst xmlns:p15="http://schemas.microsoft.com/office/powerpoint/2012/main"/>
+      <p15:sldGuideLst xmlns:p15="http://schemas.microsoft.com/office/powerpoint/2012/main" xmlns=""/>
     </p:ext>
   </p:extLst>
 </p:presentation>
@@ -3363,7 +3363,7 @@
         <p:spPr>
           <a:xfrm>
             <a:off x="793790" y="3607237"/>
-            <a:ext cx="10867311" cy="453509"/>
+            <a:ext cx="10848083" cy="1109729"/>
           </a:xfrm>
           <a:prstGeom prst="rect">
             <a:avLst/>
@@ -3390,7 +3390,125 @@
                 <a:ea typeface="DM Sans" pitchFamily="34" charset="-122"/>
                 <a:cs typeface="DM Sans" pitchFamily="34" charset="-120"/>
               </a:rPr>
-              <a:t>В качестве алгоритма решения был выбран метод "квантового обжига".  </a:t>
+              <a:t>В качестве алгоритма решения был выбран метод "</a:t>
+            </a:r>
+            <a:r>
+              <a:rPr lang="en-US" sz="2200" dirty="0" err="1">
+                <a:solidFill>
+                  <a:srgbClr val="383838"/>
+                </a:solidFill>
+                <a:latin typeface="DM Sans" pitchFamily="34" charset="0"/>
+                <a:ea typeface="DM Sans" pitchFamily="34" charset="-122"/>
+                <a:cs typeface="DM Sans" pitchFamily="34" charset="-120"/>
+              </a:rPr>
+              <a:t>квантового</a:t>
+            </a:r>
+            <a:r>
+              <a:rPr lang="en-US" sz="2200" dirty="0">
+                <a:solidFill>
+                  <a:srgbClr val="383838"/>
+                </a:solidFill>
+                <a:latin typeface="DM Sans" pitchFamily="34" charset="0"/>
+                <a:ea typeface="DM Sans" pitchFamily="34" charset="-122"/>
+                <a:cs typeface="DM Sans" pitchFamily="34" charset="-120"/>
+              </a:rPr>
+              <a:t> </a:t>
+            </a:r>
+            <a:r>
+              <a:rPr lang="en-US" sz="2200" dirty="0" smtClean="0">
+                <a:solidFill>
+                  <a:srgbClr val="383838"/>
+                </a:solidFill>
+                <a:latin typeface="DM Sans" pitchFamily="34" charset="0"/>
+                <a:ea typeface="DM Sans" pitchFamily="34" charset="-122"/>
+                <a:cs typeface="DM Sans" pitchFamily="34" charset="-120"/>
+              </a:rPr>
+              <a:t>о</a:t>
+            </a:r>
+            <a:r>
+              <a:rPr lang="ru-RU" sz="2200" dirty="0" smtClean="0">
+                <a:solidFill>
+                  <a:srgbClr val="383838"/>
+                </a:solidFill>
+                <a:latin typeface="DM Sans" pitchFamily="34" charset="0"/>
+                <a:ea typeface="DM Sans" pitchFamily="34" charset="-122"/>
+                <a:cs typeface="DM Sans" pitchFamily="34" charset="-120"/>
+              </a:rPr>
+              <a:t>т</a:t>
+            </a:r>
+            <a:r>
+              <a:rPr lang="en-US" sz="2200" dirty="0" err="1" smtClean="0">
+                <a:solidFill>
+                  <a:srgbClr val="383838"/>
+                </a:solidFill>
+                <a:latin typeface="DM Sans" pitchFamily="34" charset="0"/>
+                <a:ea typeface="DM Sans" pitchFamily="34" charset="-122"/>
+                <a:cs typeface="DM Sans" pitchFamily="34" charset="-120"/>
+              </a:rPr>
+              <a:t>жига</a:t>
+            </a:r>
+            <a:r>
+              <a:rPr lang="en-US" sz="2200" dirty="0">
+                <a:solidFill>
+                  <a:srgbClr val="383838"/>
+                </a:solidFill>
+                <a:latin typeface="DM Sans" pitchFamily="34" charset="0"/>
+                <a:ea typeface="DM Sans" pitchFamily="34" charset="-122"/>
+                <a:cs typeface="DM Sans" pitchFamily="34" charset="-120"/>
+              </a:rPr>
+              <a:t>". </a:t>
+            </a:r>
+            <a:r>
+              <a:rPr lang="ru-RU" sz="2200" dirty="0" smtClean="0">
+                <a:solidFill>
+                  <a:srgbClr val="383838"/>
+                </a:solidFill>
+                <a:latin typeface="DM Sans" pitchFamily="34" charset="0"/>
+                <a:ea typeface="DM Sans" pitchFamily="34" charset="-122"/>
+                <a:cs typeface="DM Sans" pitchFamily="34" charset="-120"/>
+              </a:rPr>
+              <a:t>Имеется</a:t>
+            </a:r>
+          </a:p>
+          <a:p>
+            <a:pPr marL="0" indent="0">
+              <a:lnSpc>
+                <a:spcPts val="3550"/>
+              </a:lnSpc>
+              <a:buNone/>
+            </a:pPr>
+            <a:r>
+              <a:rPr lang="ru-RU" sz="2200" dirty="0" smtClean="0">
+                <a:solidFill>
+                  <a:srgbClr val="383838"/>
+                </a:solidFill>
+                <a:latin typeface="DM Sans" pitchFamily="34" charset="0"/>
+                <a:ea typeface="DM Sans" pitchFamily="34" charset="-122"/>
+                <a:cs typeface="DM Sans" pitchFamily="34" charset="-120"/>
+              </a:rPr>
+              <a:t>ограничение на </a:t>
+            </a:r>
+            <a:r>
+              <a:rPr lang="en-US" sz="2200" dirty="0" smtClean="0">
+                <a:solidFill>
+                  <a:srgbClr val="383838"/>
+                </a:solidFill>
+                <a:latin typeface="DM Sans" pitchFamily="34" charset="0"/>
+                <a:ea typeface="DM Sans" pitchFamily="34" charset="-122"/>
+                <a:cs typeface="DM Sans" pitchFamily="34" charset="-120"/>
+              </a:rPr>
+              <a:t> </a:t>
+            </a:r>
+            <a:r>
+              <a:rPr lang="ru-RU" sz="2200" dirty="0" smtClean="0">
+                <a:solidFill>
+                  <a:srgbClr val="383838"/>
+                </a:solidFill>
+                <a:latin typeface="DM Sans" pitchFamily="34" charset="0"/>
+                <a:ea typeface="DM Sans" pitchFamily="34" charset="-122"/>
+                <a:cs typeface="DM Sans" pitchFamily="34" charset="-120"/>
+              </a:rPr>
+              <a:t>максимальное число риска.</a:t>
             </a:r>
             <a:r>
               <a:rPr lang="ru-RU" sz="2200" dirty="0" smtClean="0">
@@ -3413,39 +3531,6 @@
                 <a:cs typeface="DM Sans" pitchFamily="34" charset="-120"/>
               </a:rPr>
             </a:br>
-            <a:r>
-              <a:rPr lang="ru-RU" sz="2200" dirty="0" smtClean="0">
-                <a:solidFill>
-                  <a:srgbClr val="383838"/>
-                </a:solidFill>
-                <a:latin typeface="DM Sans" pitchFamily="34" charset="0"/>
-                <a:ea typeface="DM Sans" pitchFamily="34" charset="-122"/>
-                <a:cs typeface="DM Sans" pitchFamily="34" charset="-120"/>
-              </a:rPr>
-              <a:t>(попиши что-нибудь </a:t>
-            </a:r>
-            <a:r>
-              <a:rPr lang="ru-RU" sz="2200" dirty="0" err="1" smtClean="0">
-                <a:solidFill>
-                  <a:srgbClr val="383838"/>
-                </a:solidFill>
-                <a:latin typeface="DM Sans" pitchFamily="34" charset="0"/>
-                <a:ea typeface="DM Sans" pitchFamily="34" charset="-122"/>
-                <a:cs typeface="DM Sans" pitchFamily="34" charset="-120"/>
-              </a:rPr>
-              <a:t>пж</a:t>
-            </a:r>
-            <a:r>
-              <a:rPr lang="ru-RU" sz="2200" dirty="0" smtClean="0">
-                <a:solidFill>
-                  <a:srgbClr val="383838"/>
-                </a:solidFill>
-                <a:latin typeface="DM Sans" pitchFamily="34" charset="0"/>
-                <a:ea typeface="DM Sans" pitchFamily="34" charset="-122"/>
-                <a:cs typeface="DM Sans" pitchFamily="34" charset="-120"/>
-              </a:rPr>
-              <a:t>)</a:t>
-            </a:r>
             <a:endParaRPr lang="en-US" sz="2200" dirty="0"/>
           </a:p>
         </p:txBody>
@@ -3643,7 +3728,62 @@
                 <a:ea typeface="DM Sans" pitchFamily="34" charset="-122"/>
                 <a:cs typeface="DM Sans" pitchFamily="34" charset="-120"/>
               </a:rPr>
-              <a:t>Ввиду необходимости в выборе максимального дохода при минимизации целевой функции было принято решение сделать коэффициент q1 отрицательным.</a:t>
+              <a:t>Ввиду необходимости в выборе максимального дохода при минимизации целевой функции было принято </a:t>
+            </a:r>
+            <a:r>
+              <a:rPr lang="en-US" sz="2200" dirty="0" err="1">
+                <a:solidFill>
+                  <a:srgbClr val="383838"/>
+                </a:solidFill>
+                <a:latin typeface="DM Sans" pitchFamily="34" charset="0"/>
+                <a:ea typeface="DM Sans" pitchFamily="34" charset="-122"/>
+                <a:cs typeface="DM Sans" pitchFamily="34" charset="-120"/>
+              </a:rPr>
+              <a:t>решение</a:t>
+            </a:r>
+            <a:r>
+              <a:rPr lang="en-US" sz="2200" dirty="0">
+                <a:solidFill>
+                  <a:srgbClr val="383838"/>
+                </a:solidFill>
+                <a:latin typeface="DM Sans" pitchFamily="34" charset="0"/>
+                <a:ea typeface="DM Sans" pitchFamily="34" charset="-122"/>
+                <a:cs typeface="DM Sans" pitchFamily="34" charset="-120"/>
+              </a:rPr>
+              <a:t> </a:t>
+            </a:r>
+            <a:r>
+              <a:rPr lang="en-US" sz="2200" dirty="0" err="1" smtClean="0">
+                <a:solidFill>
+                  <a:srgbClr val="383838"/>
+                </a:solidFill>
+                <a:latin typeface="DM Sans" pitchFamily="34" charset="0"/>
+                <a:ea typeface="DM Sans" pitchFamily="34" charset="-122"/>
+                <a:cs typeface="DM Sans" pitchFamily="34" charset="-120"/>
+              </a:rPr>
+              <a:t>сделать</a:t>
+            </a:r>
+            <a:r>
+              <a:rPr lang="ru-RU" sz="2200" dirty="0">
+                <a:solidFill>
+                  <a:srgbClr val="383838"/>
+                </a:solidFill>
+                <a:latin typeface="DM Sans" pitchFamily="34" charset="0"/>
+                <a:ea typeface="DM Sans" pitchFamily="34" charset="-122"/>
+                <a:cs typeface="DM Sans" pitchFamily="34" charset="-120"/>
+              </a:rPr>
+              <a:t> </a:t>
+            </a:r>
+            <a:r>
+              <a:rPr lang="ru-RU" sz="2200" dirty="0" smtClean="0">
+                <a:solidFill>
+                  <a:srgbClr val="383838"/>
+                </a:solidFill>
+                <a:latin typeface="DM Sans" pitchFamily="34" charset="0"/>
+                <a:ea typeface="DM Sans" pitchFamily="34" charset="-122"/>
+                <a:cs typeface="DM Sans" pitchFamily="34" charset="-120"/>
+              </a:rPr>
+              <a:t>сумму по доходам отрицательной, а квадратичное отклонение от максимального риска положительным.</a:t>
             </a:r>
             <a:endParaRPr lang="en-US" sz="2200" dirty="0"/>
           </a:p>
@@ -4888,7 +5028,194 @@
                 <a:ea typeface="DM Sans" pitchFamily="34" charset="-122"/>
                 <a:cs typeface="DM Sans" pitchFamily="34" charset="-120"/>
               </a:rPr>
-              <a:t>В качестве средства выполнения данной задачи было принято решение использовать классический подход с использованием фреймворка tensorflow на плотформе colab от Google с использованием библиотеки pandas. Данный подход с разработанным нами решением позхволяет определять является ли отзыв положительным или отрицательным с точностью в 70%. Так же мы ведём разработку квантового варианта решения данной задачи.</a:t>
+              <a:t>В качестве средства выполнения данной задачи было принято решение использовать классический </a:t>
+            </a:r>
+            <a:r>
+              <a:rPr lang="en-US" sz="1750" dirty="0" err="1">
+                <a:solidFill>
+                  <a:srgbClr val="383838"/>
+                </a:solidFill>
+                <a:latin typeface="DM Sans" pitchFamily="34" charset="0"/>
+                <a:ea typeface="DM Sans" pitchFamily="34" charset="-122"/>
+                <a:cs typeface="DM Sans" pitchFamily="34" charset="-120"/>
+              </a:rPr>
+              <a:t>подход</a:t>
+            </a:r>
+            <a:r>
+              <a:rPr lang="en-US" sz="1750" dirty="0">
+                <a:solidFill>
+                  <a:srgbClr val="383838"/>
+                </a:solidFill>
+                <a:latin typeface="DM Sans" pitchFamily="34" charset="0"/>
+                <a:ea typeface="DM Sans" pitchFamily="34" charset="-122"/>
+                <a:cs typeface="DM Sans" pitchFamily="34" charset="-120"/>
+              </a:rPr>
+              <a:t> </a:t>
+            </a:r>
+            <a:r>
+              <a:rPr lang="en-US" sz="1750" dirty="0" err="1" smtClean="0">
+                <a:solidFill>
+                  <a:srgbClr val="383838"/>
+                </a:solidFill>
+                <a:latin typeface="DM Sans" pitchFamily="34" charset="0"/>
+                <a:ea typeface="DM Sans" pitchFamily="34" charset="-122"/>
+                <a:cs typeface="DM Sans" pitchFamily="34" charset="-120"/>
+              </a:rPr>
+              <a:t>на</a:t>
+            </a:r>
+            <a:r>
+              <a:rPr lang="en-US" sz="1750" dirty="0" smtClean="0">
+                <a:solidFill>
+                  <a:srgbClr val="383838"/>
+                </a:solidFill>
+                <a:latin typeface="DM Sans" pitchFamily="34" charset="0"/>
+                <a:ea typeface="DM Sans" pitchFamily="34" charset="-122"/>
+                <a:cs typeface="DM Sans" pitchFamily="34" charset="-120"/>
+              </a:rPr>
+              <a:t> </a:t>
+            </a:r>
+            <a:r>
+              <a:rPr lang="en-US" sz="1750" dirty="0" err="1" smtClean="0">
+                <a:solidFill>
+                  <a:srgbClr val="383838"/>
+                </a:solidFill>
+                <a:latin typeface="DM Sans" pitchFamily="34" charset="0"/>
+                <a:ea typeface="DM Sans" pitchFamily="34" charset="-122"/>
+                <a:cs typeface="DM Sans" pitchFamily="34" charset="-120"/>
+              </a:rPr>
+              <a:t>пл</a:t>
+            </a:r>
+            <a:r>
+              <a:rPr lang="ru-RU" sz="1750" dirty="0" smtClean="0">
+                <a:solidFill>
+                  <a:srgbClr val="383838"/>
+                </a:solidFill>
+                <a:latin typeface="DM Sans" pitchFamily="34" charset="0"/>
+                <a:ea typeface="DM Sans" pitchFamily="34" charset="-122"/>
+                <a:cs typeface="DM Sans" pitchFamily="34" charset="-120"/>
+              </a:rPr>
+              <a:t>а</a:t>
+            </a:r>
+            <a:r>
+              <a:rPr lang="en-US" sz="1750" dirty="0" err="1" smtClean="0">
+                <a:solidFill>
+                  <a:srgbClr val="383838"/>
+                </a:solidFill>
+                <a:latin typeface="DM Sans" pitchFamily="34" charset="0"/>
+                <a:ea typeface="DM Sans" pitchFamily="34" charset="-122"/>
+                <a:cs typeface="DM Sans" pitchFamily="34" charset="-120"/>
+              </a:rPr>
+              <a:t>тформе</a:t>
+            </a:r>
+            <a:r>
+              <a:rPr lang="en-US" sz="1750" dirty="0" smtClean="0">
+                <a:solidFill>
+                  <a:srgbClr val="383838"/>
+                </a:solidFill>
+                <a:latin typeface="DM Sans" pitchFamily="34" charset="0"/>
+                <a:ea typeface="DM Sans" pitchFamily="34" charset="-122"/>
+                <a:cs typeface="DM Sans" pitchFamily="34" charset="-120"/>
+              </a:rPr>
+              <a:t> </a:t>
+            </a:r>
+            <a:r>
+              <a:rPr lang="en-US" sz="1750" dirty="0">
+                <a:solidFill>
+                  <a:srgbClr val="383838"/>
+                </a:solidFill>
+                <a:latin typeface="DM Sans" pitchFamily="34" charset="0"/>
+                <a:ea typeface="DM Sans" pitchFamily="34" charset="-122"/>
+                <a:cs typeface="DM Sans" pitchFamily="34" charset="-120"/>
+              </a:rPr>
+              <a:t>colab от Google с </a:t>
+            </a:r>
+            <a:r>
+              <a:rPr lang="en-US" sz="1750" dirty="0" err="1">
+                <a:solidFill>
+                  <a:srgbClr val="383838"/>
+                </a:solidFill>
+                <a:latin typeface="DM Sans" pitchFamily="34" charset="0"/>
+                <a:ea typeface="DM Sans" pitchFamily="34" charset="-122"/>
+                <a:cs typeface="DM Sans" pitchFamily="34" charset="-120"/>
+              </a:rPr>
+              <a:t>использованием</a:t>
+            </a:r>
+            <a:r>
+              <a:rPr lang="en-US" sz="1750" dirty="0">
+                <a:solidFill>
+                  <a:srgbClr val="383838"/>
+                </a:solidFill>
+                <a:latin typeface="DM Sans" pitchFamily="34" charset="0"/>
+                <a:ea typeface="DM Sans" pitchFamily="34" charset="-122"/>
+                <a:cs typeface="DM Sans" pitchFamily="34" charset="-120"/>
+              </a:rPr>
+              <a:t> </a:t>
+            </a:r>
+            <a:r>
+              <a:rPr lang="en-US" sz="1750" dirty="0" err="1" smtClean="0">
+                <a:solidFill>
+                  <a:srgbClr val="383838"/>
+                </a:solidFill>
+                <a:latin typeface="DM Sans" pitchFamily="34" charset="0"/>
+                <a:ea typeface="DM Sans" pitchFamily="34" charset="-122"/>
+                <a:cs typeface="DM Sans" pitchFamily="34" charset="-120"/>
+              </a:rPr>
+              <a:t>библиотек</a:t>
+            </a:r>
+            <a:r>
+              <a:rPr lang="en-US" sz="1750" dirty="0" smtClean="0">
+                <a:solidFill>
+                  <a:srgbClr val="383838"/>
+                </a:solidFill>
+                <a:latin typeface="DM Sans" pitchFamily="34" charset="0"/>
+                <a:ea typeface="DM Sans" pitchFamily="34" charset="-122"/>
+                <a:cs typeface="DM Sans" pitchFamily="34" charset="-120"/>
+              </a:rPr>
+              <a:t> pandas </a:t>
+            </a:r>
+            <a:r>
+              <a:rPr lang="ru-RU" sz="1750" dirty="0" smtClean="0">
+                <a:solidFill>
+                  <a:srgbClr val="383838"/>
+                </a:solidFill>
+                <a:latin typeface="DM Sans" pitchFamily="34" charset="0"/>
+                <a:ea typeface="DM Sans" pitchFamily="34" charset="-122"/>
+                <a:cs typeface="DM Sans" pitchFamily="34" charset="-120"/>
+              </a:rPr>
+              <a:t>и </a:t>
+            </a:r>
+            <a:r>
+              <a:rPr lang="en-US" sz="1750" dirty="0" err="1" smtClean="0">
+                <a:solidFill>
+                  <a:srgbClr val="383838"/>
+                </a:solidFill>
+                <a:latin typeface="DM Sans" pitchFamily="34" charset="0"/>
+                <a:ea typeface="DM Sans" pitchFamily="34" charset="-122"/>
+                <a:cs typeface="DM Sans" pitchFamily="34" charset="-120"/>
+              </a:rPr>
+              <a:t>TensorFlow</a:t>
+            </a:r>
+            <a:r>
+              <a:rPr lang="en-US" sz="1750" dirty="0" smtClean="0">
+                <a:solidFill>
+                  <a:srgbClr val="383838"/>
+                </a:solidFill>
+                <a:latin typeface="DM Sans" pitchFamily="34" charset="0"/>
+                <a:ea typeface="DM Sans" pitchFamily="34" charset="-122"/>
+                <a:cs typeface="DM Sans" pitchFamily="34" charset="-120"/>
+              </a:rPr>
+              <a:t>. </a:t>
+            </a:r>
+            <a:r>
+              <a:rPr lang="en-US" sz="1750" dirty="0">
+                <a:solidFill>
+                  <a:srgbClr val="383838"/>
+                </a:solidFill>
+                <a:latin typeface="DM Sans" pitchFamily="34" charset="0"/>
+                <a:ea typeface="DM Sans" pitchFamily="34" charset="-122"/>
+                <a:cs typeface="DM Sans" pitchFamily="34" charset="-120"/>
+              </a:rPr>
+              <a:t>Данный подход с разработанным нами решением позхволяет определять является ли отзыв положительным или отрицательным с точностью в 70%. Так же мы ведём разработку квантового варианта решения данной задачи.</a:t>
             </a:r>
             <a:endParaRPr lang="en-US" sz="1750" dirty="0"/>
           </a:p>
@@ -5199,7 +5526,7 @@
     </a:clrScheme>
     <a:fontScheme name="Office">
       <a:majorFont>
-        <a:latin typeface="Calibri Light" panose="020F0302020204030204"/>
+        <a:latin typeface="Calibri Light"/>
         <a:ea typeface=""/>
         <a:cs typeface=""/>
         <a:font script="Jpan" typeface="游ゴシック Light"/>
@@ -5251,7 +5578,7 @@
         <a:font script="Tfng" typeface="Ebrima"/>
       </a:majorFont>
       <a:minorFont>
-        <a:latin typeface="Calibri" panose="020F0502020204030204"/>
+        <a:latin typeface="Calibri"/>
         <a:ea typeface=""/>
         <a:cs typeface=""/>
         <a:font script="Jpan" typeface="游ゴシック"/>
@@ -5445,7 +5772,7 @@
   <a:extraClrSchemeLst/>
   <a:extLst>
     <a:ext uri="{05A4C25C-085E-4340-85A3-A5531E510DB2}">
-      <thm15:themeFamily xmlns:thm15="http://schemas.microsoft.com/office/thememl/2012/main" name="Office Theme" id="{62F939B6-93AF-4DB8-9C6B-D6C7DFDC589F}" vid="{4A3C46E8-61CC-4603-A589-7422A47A8E4A}"/>
+      <thm15:themeFamily xmlns:thm15="http://schemas.microsoft.com/office/thememl/2012/main" xmlns="" name="Office Theme" id="{62F939B6-93AF-4DB8-9C6B-D6C7DFDC589F}" vid="{4A3C46E8-61CC-4603-A589-7422A47A8E4A}"/>
     </a:ext>
   </a:extLst>
 </a:theme>
@@ -5494,7 +5821,7 @@
     </a:clrScheme>
     <a:fontScheme name="Стандартная">
       <a:majorFont>
-        <a:latin typeface="Calibri Light" panose="020F0302020204030204"/>
+        <a:latin typeface="Calibri Light"/>
         <a:ea typeface=""/>
         <a:cs typeface=""/>
         <a:font script="Jpan" typeface="ＭＳ Ｐゴシック"/>
@@ -5529,7 +5856,7 @@
         <a:font script="Geor" typeface="Sylfaen"/>
       </a:majorFont>
       <a:minorFont>
-        <a:latin typeface="Calibri" panose="020F0502020204030204"/>
+        <a:latin typeface="Calibri"/>
         <a:ea typeface=""/>
         <a:cs typeface=""/>
         <a:font script="Jpan" typeface="ＭＳ Ｐゴシック"/>
@@ -5706,7 +6033,7 @@
   <a:extraClrSchemeLst/>
   <a:extLst>
     <a:ext uri="{05A4C25C-085E-4340-85A3-A5531E510DB2}">
-      <thm15:themeFamily xmlns:thm15="http://schemas.microsoft.com/office/thememl/2012/main" name="Office Theme" id="{62F939B6-93AF-4DB8-9C6B-D6C7DFDC589F}" vid="{4A3C46E8-61CC-4603-A589-7422A47A8E4A}"/>
+      <thm15:themeFamily xmlns:thm15="http://schemas.microsoft.com/office/thememl/2012/main" xmlns="" name="Office Theme" id="{62F939B6-93AF-4DB8-9C6B-D6C7DFDC589F}" vid="{4A3C46E8-61CC-4603-A589-7422A47A8E4A}"/>
     </a:ext>
   </a:extLst>
 </a:theme>
